--- a/public/Nuqta-Investor-One-Pager-2026.pptx
+++ b/public/Nuqta-Investor-One-Pager-2026.pptx
@@ -1328,8 +1328,8 @@
         </p:nvSpPr>
         <p:spPr>
           <a:xfrm>
-            <a:off x="1828800" y="771525"/>
-            <a:ext cx="5486400" cy="617220"/>
+            <a:off x="1828800" y="617220"/>
+            <a:ext cx="5486400" cy="514350"/>
           </a:xfrm>
           <a:prstGeom prst="rect">
             <a:avLst/>
@@ -1364,8 +1364,8 @@
         </p:nvSpPr>
         <p:spPr>
           <a:xfrm>
-            <a:off x="1828800" y="1543050"/>
-            <a:ext cx="5486400" cy="411480"/>
+            <a:off x="1828800" y="1131570"/>
+            <a:ext cx="5486400" cy="205740"/>
           </a:xfrm>
           <a:prstGeom prst="rect">
             <a:avLst/>
@@ -1381,14 +1381,14 @@
               <a:buNone/>
             </a:pPr>
             <a:r>
-              <a:rPr lang="en-US" sz="2400" b="1" dirty="0">
-                <a:solidFill>
-                  <a:srgbClr val="C9A227"/>
-                </a:solidFill>
-              </a:rPr>
-              <a:t>10% Offline Cashback</a:t>
-            </a:r>
-            <a:endParaRPr lang="en-US" sz="2400" dirty="0"/>
+              <a:rPr lang="en-US" sz="1200" i="1" dirty="0">
+                <a:solidFill>
+                  <a:srgbClr val="94A3B8"/>
+                </a:solidFill>
+              </a:rPr>
+              <a:t>Search. Save. Earn.</a:t>
+            </a:r>
+            <a:endParaRPr lang="en-US" sz="1200" dirty="0"/>
           </a:p>
         </p:txBody>
       </p:sp>
@@ -1400,15 +1400,15 @@
         </p:nvSpPr>
         <p:spPr>
           <a:xfrm>
-            <a:off x="1371600" y="2314575"/>
-            <a:ext cx="2743200" cy="617220"/>
+            <a:off x="1371600" y="1491615"/>
+            <a:ext cx="6400800" cy="514350"/>
           </a:xfrm>
           <a:prstGeom prst="rect">
             <a:avLst/>
           </a:prstGeom>
           <a:solidFill>
-            <a:srgbClr val="1E293B">
-              <a:alpha val="50000"/>
+            <a:srgbClr val="C9A227">
+              <a:alpha val="80000"/>
             </a:srgbClr>
           </a:solidFill>
           <a:ln w="25400">
@@ -1427,8 +1427,8 @@
         </p:nvSpPr>
         <p:spPr>
           <a:xfrm>
-            <a:off x="1371600" y="2417445"/>
-            <a:ext cx="2743200" cy="411480"/>
+            <a:off x="1371600" y="1543050"/>
+            <a:ext cx="6400800" cy="411480"/>
           </a:xfrm>
           <a:prstGeom prst="rect">
             <a:avLst/>
@@ -1444,49 +1444,73 @@
               <a:buNone/>
             </a:pPr>
             <a:r>
-              <a:rPr lang="en-US" sz="1000" dirty="0">
-                <a:solidFill>
-                  <a:srgbClr val="94A3B8"/>
-                </a:solidFill>
-              </a:rPr>
-              <a:t>Raising
-</a:t>
-            </a:r>
+              <a:rPr lang="en-US" sz="2800" b="1" dirty="0">
+                <a:solidFill>
+                  <a:srgbClr val="C9A227"/>
+                </a:solidFill>
+              </a:rPr>
+              <a:t>10% Offline Cashback</a:t>
+            </a:r>
+            <a:endParaRPr lang="en-US" sz="2800" dirty="0"/>
+          </a:p>
+        </p:txBody>
+      </p:sp>
+      <p:sp>
+        <p:nvSpPr>
+          <p:cNvPr id="6" name="Text 4"/>
+          <p:cNvSpPr/>
+          <p:nvPr/>
+        </p:nvSpPr>
+        <p:spPr>
+          <a:xfrm>
+            <a:off x="1371600" y="1851660"/>
+            <a:ext cx="6400800" cy="154305"/>
+          </a:xfrm>
+          <a:prstGeom prst="rect">
+            <a:avLst/>
+          </a:prstGeom>
+          <a:noFill/>
+          <a:ln/>
+        </p:spPr>
+        <p:txBody>
+          <a:bodyPr wrap="square" rtlCol="0" anchor="ctr"/>
+          <a:lstStyle/>
+          <a:p>
             <a:pPr algn="ctr" indent="0" marL="0">
               <a:buNone/>
             </a:pPr>
             <a:r>
-              <a:rPr lang="en-US" sz="2000" b="1" dirty="0">
-                <a:solidFill>
-                  <a:srgbClr val="C9A227"/>
-                </a:solidFill>
-              </a:rPr>
-              <a:t>$500K</a:t>
-            </a:r>
-            <a:endParaRPr lang="en-US" sz="1000" dirty="0"/>
-          </a:p>
-        </p:txBody>
-      </p:sp>
-      <p:sp>
-        <p:nvSpPr>
-          <p:cNvPr id="6" name="Shape 4"/>
-          <p:cNvSpPr/>
-          <p:nvPr/>
-        </p:nvSpPr>
-        <p:spPr>
-          <a:xfrm>
-            <a:off x="5029200" y="2314575"/>
-            <a:ext cx="2743200" cy="617220"/>
+              <a:rPr lang="en-US" sz="800" dirty="0">
+                <a:solidFill>
+                  <a:srgbClr val="CBD5E1"/>
+                </a:solidFill>
+              </a:rPr>
+              <a:t>5× vs Cards  •  Instant  •  No Credit Check</a:t>
+            </a:r>
+            <a:endParaRPr lang="en-US" sz="800" dirty="0"/>
+          </a:p>
+        </p:txBody>
+      </p:sp>
+      <p:sp>
+        <p:nvSpPr>
+          <p:cNvPr id="7" name="Shape 5"/>
+          <p:cNvSpPr/>
+          <p:nvPr/>
+        </p:nvSpPr>
+        <p:spPr>
+          <a:xfrm>
+            <a:off x="1097280" y="2366010"/>
+            <a:ext cx="3108960" cy="668655"/>
           </a:xfrm>
           <a:prstGeom prst="rect">
             <a:avLst/>
           </a:prstGeom>
           <a:solidFill>
             <a:srgbClr val="1E293B">
-              <a:alpha val="50000"/>
+              <a:alpha val="20000"/>
             </a:srgbClr>
           </a:solidFill>
-          <a:ln w="25400">
+          <a:ln w="19050">
             <a:solidFill>
               <a:srgbClr val="C9A227"/>
             </a:solidFill>
@@ -1496,14 +1520,14 @@
       </p:sp>
       <p:sp>
         <p:nvSpPr>
-          <p:cNvPr id="7" name="Text 5"/>
-          <p:cNvSpPr/>
-          <p:nvPr/>
-        </p:nvSpPr>
-        <p:spPr>
-          <a:xfrm>
-            <a:off x="5029200" y="2417445"/>
-            <a:ext cx="2743200" cy="411480"/>
+          <p:cNvPr id="8" name="Text 6"/>
+          <p:cNvSpPr/>
+          <p:nvPr/>
+        </p:nvSpPr>
+        <p:spPr>
+          <a:xfrm>
+            <a:off x="1097280" y="2417445"/>
+            <a:ext cx="3108960" cy="565785"/>
           </a:xfrm>
           <a:prstGeom prst="rect">
             <a:avLst/>
@@ -1519,49 +1543,61 @@
               <a:buNone/>
             </a:pPr>
             <a:r>
-              <a:rPr lang="en-US" sz="1000" dirty="0">
+              <a:rPr lang="en-US" sz="800" b="1" dirty="0">
                 <a:solidFill>
                   <a:srgbClr val="94A3B8"/>
                 </a:solidFill>
               </a:rPr>
-              <a:t>TAM
+              <a:t>Raise
 </a:t>
             </a:r>
             <a:pPr algn="ctr" indent="0" marL="0">
               <a:buNone/>
             </a:pPr>
             <a:r>
-              <a:rPr lang="en-US" sz="2000" b="1" dirty="0">
+              <a:rPr lang="en-US" sz="2200" b="1" dirty="0">
                 <a:solidFill>
                   <a:srgbClr val="C9A227"/>
                 </a:solidFill>
               </a:rPr>
-              <a:t>$150B</a:t>
-            </a:r>
-            <a:endParaRPr lang="en-US" sz="1000" dirty="0"/>
-          </a:p>
-        </p:txBody>
-      </p:sp>
-      <p:sp>
-        <p:nvSpPr>
-          <p:cNvPr id="8" name="Shape 6"/>
-          <p:cNvSpPr/>
-          <p:nvPr/>
-        </p:nvSpPr>
-        <p:spPr>
-          <a:xfrm>
-            <a:off x="1371600" y="3086100"/>
-            <a:ext cx="2743200" cy="617220"/>
+              <a:t>$500K
+</a:t>
+            </a:r>
+            <a:pPr algn="ctr" indent="0" marL="0">
+              <a:buNone/>
+            </a:pPr>
+            <a:r>
+              <a:rPr lang="en-US" sz="700" dirty="0">
+                <a:solidFill>
+                  <a:srgbClr val="64748B"/>
+                </a:solidFill>
+              </a:rPr>
+              <a:t>Pre-Seed</a:t>
+            </a:r>
+            <a:endParaRPr lang="en-US" sz="800" dirty="0"/>
+          </a:p>
+        </p:txBody>
+      </p:sp>
+      <p:sp>
+        <p:nvSpPr>
+          <p:cNvPr id="9" name="Shape 7"/>
+          <p:cNvSpPr/>
+          <p:nvPr/>
+        </p:nvSpPr>
+        <p:spPr>
+          <a:xfrm>
+            <a:off x="4937760" y="2366010"/>
+            <a:ext cx="3108960" cy="668655"/>
           </a:xfrm>
           <a:prstGeom prst="rect">
             <a:avLst/>
           </a:prstGeom>
           <a:solidFill>
             <a:srgbClr val="1E293B">
-              <a:alpha val="50000"/>
+              <a:alpha val="20000"/>
             </a:srgbClr>
           </a:solidFill>
-          <a:ln w="25400">
+          <a:ln w="19050">
             <a:solidFill>
               <a:srgbClr val="C9A227"/>
             </a:solidFill>
@@ -1571,14 +1607,14 @@
       </p:sp>
       <p:sp>
         <p:nvSpPr>
-          <p:cNvPr id="9" name="Text 7"/>
-          <p:cNvSpPr/>
-          <p:nvPr/>
-        </p:nvSpPr>
-        <p:spPr>
-          <a:xfrm>
-            <a:off x="1371600" y="3188970"/>
-            <a:ext cx="2743200" cy="411480"/>
+          <p:cNvPr id="10" name="Text 8"/>
+          <p:cNvSpPr/>
+          <p:nvPr/>
+        </p:nvSpPr>
+        <p:spPr>
+          <a:xfrm>
+            <a:off x="4937760" y="2417445"/>
+            <a:ext cx="3108960" cy="565785"/>
           </a:xfrm>
           <a:prstGeom prst="rect">
             <a:avLst/>
@@ -1594,49 +1630,61 @@
               <a:buNone/>
             </a:pPr>
             <a:r>
-              <a:rPr lang="en-US" sz="1000" dirty="0">
+              <a:rPr lang="en-US" sz="800" b="1" dirty="0">
                 <a:solidFill>
                   <a:srgbClr val="94A3B8"/>
                 </a:solidFill>
               </a:rPr>
-              <a:t>CAC Reduction
+              <a:t>TAM
 </a:t>
             </a:r>
             <a:pPr algn="ctr" indent="0" marL="0">
               <a:buNone/>
             </a:pPr>
             <a:r>
-              <a:rPr lang="en-US" sz="2000" b="1" dirty="0">
+              <a:rPr lang="en-US" sz="2200" b="1" dirty="0">
                 <a:solidFill>
                   <a:srgbClr val="C9A227"/>
                 </a:solidFill>
               </a:rPr>
-              <a:t>75-85%</a:t>
-            </a:r>
-            <a:endParaRPr lang="en-US" sz="1000" dirty="0"/>
-          </a:p>
-        </p:txBody>
-      </p:sp>
-      <p:sp>
-        <p:nvSpPr>
-          <p:cNvPr id="10" name="Shape 8"/>
-          <p:cNvSpPr/>
-          <p:nvPr/>
-        </p:nvSpPr>
-        <p:spPr>
-          <a:xfrm>
-            <a:off x="5029200" y="3086100"/>
-            <a:ext cx="2743200" cy="617220"/>
+              <a:t>$150B
+</a:t>
+            </a:r>
+            <a:pPr algn="ctr" indent="0" marL="0">
+              <a:buNone/>
+            </a:pPr>
+            <a:r>
+              <a:rPr lang="en-US" sz="700" dirty="0">
+                <a:solidFill>
+                  <a:srgbClr val="64748B"/>
+                </a:solidFill>
+              </a:rPr>
+              <a:t>GCC Market</a:t>
+            </a:r>
+            <a:endParaRPr lang="en-US" sz="800" dirty="0"/>
+          </a:p>
+        </p:txBody>
+      </p:sp>
+      <p:sp>
+        <p:nvSpPr>
+          <p:cNvPr id="11" name="Shape 9"/>
+          <p:cNvSpPr/>
+          <p:nvPr/>
+        </p:nvSpPr>
+        <p:spPr>
+          <a:xfrm>
+            <a:off x="1097280" y="3188970"/>
+            <a:ext cx="3108960" cy="668655"/>
           </a:xfrm>
           <a:prstGeom prst="rect">
             <a:avLst/>
           </a:prstGeom>
           <a:solidFill>
             <a:srgbClr val="1E293B">
-              <a:alpha val="50000"/>
+              <a:alpha val="20000"/>
             </a:srgbClr>
           </a:solidFill>
-          <a:ln w="25400">
+          <a:ln w="19050">
             <a:solidFill>
               <a:srgbClr val="C9A227"/>
             </a:solidFill>
@@ -1646,14 +1694,14 @@
       </p:sp>
       <p:sp>
         <p:nvSpPr>
-          <p:cNvPr id="11" name="Text 9"/>
-          <p:cNvSpPr/>
-          <p:nvPr/>
-        </p:nvSpPr>
-        <p:spPr>
-          <a:xfrm>
-            <a:off x="5029200" y="3188970"/>
-            <a:ext cx="2743200" cy="411480"/>
+          <p:cNvPr id="12" name="Text 10"/>
+          <p:cNvSpPr/>
+          <p:nvPr/>
+        </p:nvSpPr>
+        <p:spPr>
+          <a:xfrm>
+            <a:off x="1097280" y="3240405"/>
+            <a:ext cx="3108960" cy="565785"/>
           </a:xfrm>
           <a:prstGeom prst="rect">
             <a:avLst/>
@@ -1669,98 +1717,242 @@
               <a:buNone/>
             </a:pPr>
             <a:r>
+              <a:rPr lang="en-US" sz="800" b="1" dirty="0">
+                <a:solidFill>
+                  <a:srgbClr val="94A3B8"/>
+                </a:solidFill>
+              </a:rPr>
+              <a:t>↓ CAC
+</a:t>
+            </a:r>
+            <a:pPr algn="ctr" indent="0" marL="0">
+              <a:buNone/>
+            </a:pPr>
+            <a:r>
+              <a:rPr lang="en-US" sz="2200" b="1" dirty="0">
+                <a:solidFill>
+                  <a:srgbClr val="C9A227"/>
+                </a:solidFill>
+              </a:rPr>
+              <a:t>75-85%
+</a:t>
+            </a:r>
+            <a:pPr algn="ctr" indent="0" marL="0">
+              <a:buNone/>
+            </a:pPr>
+            <a:r>
+              <a:rPr lang="en-US" sz="700" dirty="0">
+                <a:solidFill>
+                  <a:srgbClr val="64748B"/>
+                </a:solidFill>
+              </a:rPr>
+              <a:t>Merchant Savings</a:t>
+            </a:r>
+            <a:endParaRPr lang="en-US" sz="800" dirty="0"/>
+          </a:p>
+        </p:txBody>
+      </p:sp>
+      <p:sp>
+        <p:nvSpPr>
+          <p:cNvPr id="13" name="Shape 11"/>
+          <p:cNvSpPr/>
+          <p:nvPr/>
+        </p:nvSpPr>
+        <p:spPr>
+          <a:xfrm>
+            <a:off x="4937760" y="3188970"/>
+            <a:ext cx="3108960" cy="668655"/>
+          </a:xfrm>
+          <a:prstGeom prst="rect">
+            <a:avLst/>
+          </a:prstGeom>
+          <a:solidFill>
+            <a:srgbClr val="1E293B">
+              <a:alpha val="20000"/>
+            </a:srgbClr>
+          </a:solidFill>
+          <a:ln w="19050">
+            <a:solidFill>
+              <a:srgbClr val="C9A227"/>
+            </a:solidFill>
+            <a:prstDash val="solid"/>
+          </a:ln>
+        </p:spPr>
+      </p:sp>
+      <p:sp>
+        <p:nvSpPr>
+          <p:cNvPr id="14" name="Text 12"/>
+          <p:cNvSpPr/>
+          <p:nvPr/>
+        </p:nvSpPr>
+        <p:spPr>
+          <a:xfrm>
+            <a:off x="4937760" y="3240405"/>
+            <a:ext cx="3108960" cy="565785"/>
+          </a:xfrm>
+          <a:prstGeom prst="rect">
+            <a:avLst/>
+          </a:prstGeom>
+          <a:noFill/>
+          <a:ln/>
+        </p:spPr>
+        <p:txBody>
+          <a:bodyPr wrap="square" rtlCol="0" anchor="ctr"/>
+          <a:lstStyle/>
+          <a:p>
+            <a:pPr algn="ctr" indent="0" marL="0">
+              <a:buNone/>
+            </a:pPr>
+            <a:r>
+              <a:rPr lang="en-US" sz="800" b="1" dirty="0">
+                <a:solidFill>
+                  <a:srgbClr val="94A3B8"/>
+                </a:solidFill>
+              </a:rPr>
+              <a:t>2026
+</a:t>
+            </a:r>
+            <a:pPr algn="ctr" indent="0" marL="0">
+              <a:buNone/>
+            </a:pPr>
+            <a:r>
+              <a:rPr lang="en-US" sz="2200" b="1" dirty="0">
+                <a:solidFill>
+                  <a:srgbClr val="C9A227"/>
+                </a:solidFill>
+              </a:rPr>
+              <a:t>Q1
+</a:t>
+            </a:r>
+            <a:pPr algn="ctr" indent="0" marL="0">
+              <a:buNone/>
+            </a:pPr>
+            <a:r>
+              <a:rPr lang="en-US" sz="700" dirty="0">
+                <a:solidFill>
+                  <a:srgbClr val="64748B"/>
+                </a:solidFill>
+              </a:rPr>
+              <a:t>Launch</a:t>
+            </a:r>
+            <a:endParaRPr lang="en-US" sz="800" dirty="0"/>
+          </a:p>
+        </p:txBody>
+      </p:sp>
+      <p:sp>
+        <p:nvSpPr>
+          <p:cNvPr id="15" name="Text 13"/>
+          <p:cNvSpPr/>
+          <p:nvPr/>
+        </p:nvSpPr>
+        <p:spPr>
+          <a:xfrm>
+            <a:off x="1371600" y="4114800"/>
+            <a:ext cx="6400800" cy="257175"/>
+          </a:xfrm>
+          <a:prstGeom prst="rect">
+            <a:avLst/>
+          </a:prstGeom>
+          <a:noFill/>
+          <a:ln/>
+        </p:spPr>
+        <p:txBody>
+          <a:bodyPr wrap="square" rtlCol="0" anchor="ctr"/>
+          <a:lstStyle/>
+          <a:p>
+            <a:pPr algn="ctr" indent="0" marL="0">
+              <a:buNone/>
+            </a:pPr>
+            <a:r>
+              <a:rPr lang="en-US" sz="1100" b="1" dirty="0">
+                <a:solidFill>
+                  <a:srgbClr val="C9A227"/>
+                </a:solidFill>
+              </a:rPr>
+              <a:t>Rewards-Led Commerce Intelligence Platform</a:t>
+            </a:r>
+            <a:endParaRPr lang="en-US" sz="1100" dirty="0"/>
+          </a:p>
+        </p:txBody>
+      </p:sp>
+      <p:sp>
+        <p:nvSpPr>
+          <p:cNvPr id="16" name="Text 14"/>
+          <p:cNvSpPr/>
+          <p:nvPr/>
+        </p:nvSpPr>
+        <p:spPr>
+          <a:xfrm>
+            <a:off x="1371600" y="4474845"/>
+            <a:ext cx="6400800" cy="411480"/>
+          </a:xfrm>
+          <a:prstGeom prst="rect">
+            <a:avLst/>
+          </a:prstGeom>
+          <a:noFill/>
+          <a:ln/>
+        </p:spPr>
+        <p:txBody>
+          <a:bodyPr wrap="square" rtlCol="0" anchor="ctr"/>
+          <a:lstStyle/>
+          <a:p>
+            <a:pPr algn="ctr" indent="0" marL="0">
+              <a:buNone/>
+            </a:pPr>
+            <a:r>
               <a:rPr lang="en-US" sz="1000" dirty="0">
                 <a:solidFill>
+                  <a:srgbClr val="000000"/>
+                </a:solidFill>
+              </a:rPr>
+              <a:t>📧 </a:t>
+            </a:r>
+            <a:pPr algn="ctr" indent="0" marL="0">
+              <a:buNone/>
+            </a:pPr>
+            <a:r>
+              <a:rPr lang="en-US" sz="1000" dirty="0">
+                <a:solidFill>
+                  <a:srgbClr val="FFFFFF"/>
+                </a:solidFill>
+              </a:rPr>
+              <a:t>rejaul@nuqtaapp.com
+</a:t>
+            </a:r>
+            <a:pPr algn="ctr" indent="0" marL="0">
+              <a:buNone/>
+            </a:pPr>
+            <a:r>
+              <a:rPr lang="en-US" sz="900" dirty="0">
+                <a:solidFill>
+                  <a:srgbClr val="000000"/>
+                </a:solidFill>
+              </a:rPr>
+              <a:t>📍 </a:t>
+            </a:r>
+            <a:pPr algn="ctr" indent="0" marL="0">
+              <a:buNone/>
+            </a:pPr>
+            <a:r>
+              <a:rPr lang="en-US" sz="900" dirty="0">
+                <a:solidFill>
                   <a:srgbClr val="94A3B8"/>
                 </a:solidFill>
               </a:rPr>
-              <a:t>Launch
-</a:t>
+              <a:t>Dubai, UAE  •  </a:t>
             </a:r>
             <a:pPr algn="ctr" indent="0" marL="0">
               <a:buNone/>
             </a:pPr>
             <a:r>
-              <a:rPr lang="en-US" sz="2000" b="1" dirty="0">
-                <a:solidFill>
-                  <a:srgbClr val="C9A227"/>
-                </a:solidFill>
-              </a:rPr>
-              <a:t>Q1 2026</a:t>
+              <a:rPr lang="en-US" sz="900" dirty="0">
+                <a:solidFill>
+                  <a:srgbClr val="64748B"/>
+                </a:solidFill>
+              </a:rPr>
+              <a:t>Available 24/7</a:t>
             </a:r>
             <a:endParaRPr lang="en-US" sz="1000" dirty="0"/>
-          </a:p>
-        </p:txBody>
-      </p:sp>
-      <p:sp>
-        <p:nvSpPr>
-          <p:cNvPr id="12" name="Text 10"/>
-          <p:cNvSpPr/>
-          <p:nvPr/>
-        </p:nvSpPr>
-        <p:spPr>
-          <a:xfrm>
-            <a:off x="1828800" y="4114800"/>
-            <a:ext cx="5486400" cy="308610"/>
-          </a:xfrm>
-          <a:prstGeom prst="rect">
-            <a:avLst/>
-          </a:prstGeom>
-          <a:noFill/>
-          <a:ln/>
-        </p:spPr>
-        <p:txBody>
-          <a:bodyPr wrap="square" rtlCol="0" anchor="ctr"/>
-          <a:lstStyle/>
-          <a:p>
-            <a:pPr algn="ctr" indent="0" marL="0">
-              <a:buNone/>
-            </a:pPr>
-            <a:r>
-              <a:rPr lang="en-US" sz="1600" dirty="0">
-                <a:solidFill>
-                  <a:srgbClr val="CBD5E1"/>
-                </a:solidFill>
-              </a:rPr>
-              <a:t>Commerce Intelligence</a:t>
-            </a:r>
-            <a:endParaRPr lang="en-US" sz="1600" dirty="0"/>
-          </a:p>
-        </p:txBody>
-      </p:sp>
-      <p:sp>
-        <p:nvSpPr>
-          <p:cNvPr id="13" name="Text 11"/>
-          <p:cNvSpPr/>
-          <p:nvPr/>
-        </p:nvSpPr>
-        <p:spPr>
-          <a:xfrm>
-            <a:off x="1828800" y="4526280"/>
-            <a:ext cx="5486400" cy="257175"/>
-          </a:xfrm>
-          <a:prstGeom prst="rect">
-            <a:avLst/>
-          </a:prstGeom>
-          <a:noFill/>
-          <a:ln/>
-        </p:spPr>
-        <p:txBody>
-          <a:bodyPr wrap="square" rtlCol="0" anchor="ctr"/>
-          <a:lstStyle/>
-          <a:p>
-            <a:pPr algn="ctr" indent="0" marL="0">
-              <a:buNone/>
-            </a:pPr>
-            <a:r>
-              <a:rPr lang="en-US" sz="1100" dirty="0">
-                <a:solidFill>
-                  <a:srgbClr val="64748B"/>
-                </a:solidFill>
-              </a:rPr>
-              <a:t>rejaul@nuqtaapp.com</a:t>
-            </a:r>
-            <a:endParaRPr lang="en-US" sz="1100" dirty="0"/>
           </a:p>
         </p:txBody>
       </p:sp>
@@ -1804,8 +1996,8 @@
         </p:nvSpPr>
         <p:spPr>
           <a:xfrm>
-            <a:off x="1828800" y="411480"/>
-            <a:ext cx="5486400" cy="308610"/>
+            <a:off x="457200" y="205740"/>
+            <a:ext cx="8229600" cy="257175"/>
           </a:xfrm>
           <a:prstGeom prst="rect">
             <a:avLst/>
@@ -1823,31 +2015,58 @@
               <a:buNone/>
             </a:pPr>
             <a:r>
-              <a:rPr lang="en-US" sz="1200" b="1" dirty="0">
+              <a:rPr lang="en-US" sz="1100" b="1" dirty="0">
                 <a:solidFill>
                   <a:srgbClr val="FFFFFF"/>
                 </a:solidFill>
               </a:rPr>
               <a:t>THE PROBLEM</a:t>
             </a:r>
-            <a:endParaRPr lang="en-US" sz="1200" dirty="0"/>
-          </a:p>
-        </p:txBody>
-      </p:sp>
-      <p:sp>
-        <p:nvSpPr>
-          <p:cNvPr id="3" name="Text 1"/>
-          <p:cNvSpPr/>
-          <p:nvPr/>
-        </p:nvSpPr>
-        <p:spPr>
-          <a:xfrm>
-            <a:off x="914400" y="925830"/>
+            <a:endParaRPr lang="en-US" sz="1100" dirty="0"/>
+          </a:p>
+        </p:txBody>
+      </p:sp>
+      <p:sp>
+        <p:nvSpPr>
+          <p:cNvPr id="3" name="Shape 1"/>
+          <p:cNvSpPr/>
+          <p:nvPr/>
+        </p:nvSpPr>
+        <p:spPr>
+          <a:xfrm>
+            <a:off x="914400" y="565785"/>
             <a:ext cx="7315200" cy="411480"/>
           </a:xfrm>
           <a:prstGeom prst="rect">
             <a:avLst/>
           </a:prstGeom>
+          <a:solidFill>
+            <a:srgbClr val="EF4444">
+              <a:alpha val="90000"/>
+            </a:srgbClr>
+          </a:solidFill>
+          <a:ln w="25400">
+            <a:solidFill>
+              <a:srgbClr val="EF4444"/>
+            </a:solidFill>
+            <a:prstDash val="solid"/>
+          </a:ln>
+        </p:spPr>
+      </p:sp>
+      <p:sp>
+        <p:nvSpPr>
+          <p:cNvPr id="4" name="Text 2"/>
+          <p:cNvSpPr/>
+          <p:nvPr/>
+        </p:nvSpPr>
+        <p:spPr>
+          <a:xfrm>
+            <a:off x="914400" y="617220"/>
+            <a:ext cx="7315200" cy="308610"/>
+          </a:xfrm>
+          <a:prstGeom prst="rect">
+            <a:avLst/>
+          </a:prstGeom>
           <a:noFill/>
           <a:ln/>
         </p:spPr>
@@ -1859,27 +2078,27 @@
               <a:buNone/>
             </a:pPr>
             <a:r>
-              <a:rPr lang="en-US" sz="2800" b="1" dirty="0">
+              <a:rPr lang="en-US" sz="2400" b="1" dirty="0">
                 <a:solidFill>
                   <a:srgbClr val="EF4444"/>
                 </a:solidFill>
               </a:rPr>
               <a:t>AED 2.4B Wasted Annually</a:t>
             </a:r>
-            <a:endParaRPr lang="en-US" sz="2800" dirty="0"/>
-          </a:p>
-        </p:txBody>
-      </p:sp>
-      <p:sp>
-        <p:nvSpPr>
-          <p:cNvPr id="4" name="Text 2"/>
-          <p:cNvSpPr/>
-          <p:nvPr/>
-        </p:nvSpPr>
-        <p:spPr>
-          <a:xfrm>
-            <a:off x="1371600" y="1440180"/>
-            <a:ext cx="6400800" cy="308610"/>
+            <a:endParaRPr lang="en-US" sz="2400" dirty="0"/>
+          </a:p>
+        </p:txBody>
+      </p:sp>
+      <p:sp>
+        <p:nvSpPr>
+          <p:cNvPr id="5" name="Text 3"/>
+          <p:cNvSpPr/>
+          <p:nvPr/>
+        </p:nvSpPr>
+        <p:spPr>
+          <a:xfrm>
+            <a:off x="914400" y="1080135"/>
+            <a:ext cx="7315200" cy="205740"/>
           </a:xfrm>
           <a:prstGeom prst="rect">
             <a:avLst/>
@@ -1895,27 +2114,88 @@
               <a:buNone/>
             </a:pPr>
             <a:r>
-              <a:rPr lang="en-US" sz="1200" dirty="0">
+              <a:rPr lang="en-US" sz="900" dirty="0">
                 <a:solidFill>
                   <a:srgbClr val="475569"/>
                 </a:solidFill>
               </a:rPr>
-              <a:t>UAE shoppers lose AED 684 per person on suboptimal decisions</a:t>
-            </a:r>
-            <a:endParaRPr lang="en-US" sz="1200" dirty="0"/>
-          </a:p>
-        </p:txBody>
-      </p:sp>
-      <p:sp>
-        <p:nvSpPr>
-          <p:cNvPr id="5" name="Text 3"/>
-          <p:cNvSpPr/>
-          <p:nvPr/>
-        </p:nvSpPr>
-        <p:spPr>
-          <a:xfrm>
-            <a:off x="1828800" y="2057400"/>
-            <a:ext cx="5486400" cy="617220"/>
+              <a:t>UAE shoppers lose AED 684 per person yearly</a:t>
+            </a:r>
+            <a:endParaRPr lang="en-US" sz="900" dirty="0"/>
+          </a:p>
+        </p:txBody>
+      </p:sp>
+      <p:sp>
+        <p:nvSpPr>
+          <p:cNvPr id="6" name="Text 4"/>
+          <p:cNvSpPr/>
+          <p:nvPr/>
+        </p:nvSpPr>
+        <p:spPr>
+          <a:xfrm>
+            <a:off x="731520" y="1440180"/>
+            <a:ext cx="7680960" cy="205740"/>
+          </a:xfrm>
+          <a:prstGeom prst="rect">
+            <a:avLst/>
+          </a:prstGeom>
+          <a:noFill/>
+          <a:ln/>
+        </p:spPr>
+        <p:txBody>
+          <a:bodyPr wrap="square" rtlCol="0" anchor="ctr"/>
+          <a:lstStyle/>
+          <a:p>
+            <a:pPr algn="l" indent="0" marL="0">
+              <a:buNone/>
+            </a:pPr>
+            <a:r>
+              <a:rPr lang="en-US" sz="1000" b="1" dirty="0">
+                <a:solidFill>
+                  <a:srgbClr val="0A1628"/>
+                </a:solidFill>
+              </a:rPr>
+              <a:t>User Pain Points:</a:t>
+            </a:r>
+            <a:endParaRPr lang="en-US" sz="1000" dirty="0"/>
+          </a:p>
+        </p:txBody>
+      </p:sp>
+      <p:sp>
+        <p:nvSpPr>
+          <p:cNvPr id="7" name="Shape 5"/>
+          <p:cNvSpPr/>
+          <p:nvPr/>
+        </p:nvSpPr>
+        <p:spPr>
+          <a:xfrm>
+            <a:off x="914400" y="1748790"/>
+            <a:ext cx="7315200" cy="462915"/>
+          </a:xfrm>
+          <a:prstGeom prst="rect">
+            <a:avLst/>
+          </a:prstGeom>
+          <a:solidFill>
+            <a:srgbClr val="FFFFFF"/>
+          </a:solidFill>
+          <a:ln w="12700">
+            <a:solidFill>
+              <a:srgbClr val="EF4444"/>
+            </a:solidFill>
+            <a:prstDash val="solid"/>
+          </a:ln>
+        </p:spPr>
+      </p:sp>
+      <p:sp>
+        <p:nvSpPr>
+          <p:cNvPr id="8" name="Text 6"/>
+          <p:cNvSpPr/>
+          <p:nvPr/>
+        </p:nvSpPr>
+        <p:spPr>
+          <a:xfrm>
+            <a:off x="1097280" y="1800225"/>
+            <a:ext cx="6949440" cy="360045"/>
           </a:xfrm>
           <a:prstGeom prst="rect">
             <a:avLst/>
@@ -1931,39 +2211,354 @@
               <a:buNone/>
             </a:pPr>
             <a:r>
-              <a:rPr lang="en-US" sz="3200" b="1" dirty="0">
+              <a:rPr lang="en-US" sz="2000" b="1" dirty="0">
                 <a:solidFill>
                   <a:srgbClr val="EF4444"/>
                 </a:solidFill>
               </a:rPr>
-              <a:t>73%
+              <a:t>73% </a:t>
+            </a:r>
+            <a:pPr algn="ctr" indent="0" marL="0">
+              <a:buNone/>
+            </a:pPr>
+            <a:r>
+              <a:rPr lang="en-US" sz="900" b="1" dirty="0">
+                <a:solidFill>
+                  <a:srgbClr val="1E293B"/>
+                </a:solidFill>
+              </a:rPr>
+              <a:t>Overpay for products
 </a:t>
             </a:r>
             <a:pPr algn="ctr" indent="0" marL="0">
               <a:buNone/>
             </a:pPr>
             <a:r>
-              <a:rPr lang="en-US" sz="1100" dirty="0">
+              <a:rPr lang="en-US" sz="700" i="1" dirty="0">
+                <a:solidFill>
+                  <a:srgbClr val="64748B"/>
+                </a:solidFill>
+              </a:rPr>
+              <a:t>No real-time price comparison</a:t>
+            </a:r>
+            <a:endParaRPr lang="en-US" sz="2000" dirty="0"/>
+          </a:p>
+        </p:txBody>
+      </p:sp>
+      <p:sp>
+        <p:nvSpPr>
+          <p:cNvPr id="9" name="Shape 7"/>
+          <p:cNvSpPr/>
+          <p:nvPr/>
+        </p:nvSpPr>
+        <p:spPr>
+          <a:xfrm>
+            <a:off x="914400" y="2263140"/>
+            <a:ext cx="7315200" cy="462915"/>
+          </a:xfrm>
+          <a:prstGeom prst="rect">
+            <a:avLst/>
+          </a:prstGeom>
+          <a:solidFill>
+            <a:srgbClr val="FFFFFF"/>
+          </a:solidFill>
+          <a:ln w="12700">
+            <a:solidFill>
+              <a:srgbClr val="EF4444"/>
+            </a:solidFill>
+            <a:prstDash val="solid"/>
+          </a:ln>
+        </p:spPr>
+      </p:sp>
+      <p:sp>
+        <p:nvSpPr>
+          <p:cNvPr id="10" name="Text 8"/>
+          <p:cNvSpPr/>
+          <p:nvPr/>
+        </p:nvSpPr>
+        <p:spPr>
+          <a:xfrm>
+            <a:off x="1097280" y="2314575"/>
+            <a:ext cx="6949440" cy="360045"/>
+          </a:xfrm>
+          <a:prstGeom prst="rect">
+            <a:avLst/>
+          </a:prstGeom>
+          <a:noFill/>
+          <a:ln/>
+        </p:spPr>
+        <p:txBody>
+          <a:bodyPr wrap="square" rtlCol="0" anchor="ctr"/>
+          <a:lstStyle/>
+          <a:p>
+            <a:pPr algn="ctr" indent="0" marL="0">
+              <a:buNone/>
+            </a:pPr>
+            <a:r>
+              <a:rPr lang="en-US" sz="2000" b="1" dirty="0">
+                <a:solidFill>
+                  <a:srgbClr val="EF4444"/>
+                </a:solidFill>
+              </a:rPr>
+              <a:t>63% </a:t>
+            </a:r>
+            <a:pPr algn="ctr" indent="0" marL="0">
+              <a:buNone/>
+            </a:pPr>
+            <a:r>
+              <a:rPr lang="en-US" sz="900" b="1" dirty="0">
+                <a:solidFill>
+                  <a:srgbClr val="1E293B"/>
+                </a:solidFill>
+              </a:rPr>
+              <a:t>Rewards unclaimed
+</a:t>
+            </a:r>
+            <a:pPr algn="ctr" indent="0" marL="0">
+              <a:buNone/>
+            </a:pPr>
+            <a:r>
+              <a:rPr lang="en-US" sz="700" i="1" dirty="0">
+                <a:solidFill>
+                  <a:srgbClr val="64748B"/>
+                </a:solidFill>
+              </a:rPr>
+              <a:t>Too complex to redeem</a:t>
+            </a:r>
+            <a:endParaRPr lang="en-US" sz="2000" dirty="0"/>
+          </a:p>
+        </p:txBody>
+      </p:sp>
+      <p:sp>
+        <p:nvSpPr>
+          <p:cNvPr id="11" name="Shape 9"/>
+          <p:cNvSpPr/>
+          <p:nvPr/>
+        </p:nvSpPr>
+        <p:spPr>
+          <a:xfrm>
+            <a:off x="914400" y="2777490"/>
+            <a:ext cx="7315200" cy="462915"/>
+          </a:xfrm>
+          <a:prstGeom prst="rect">
+            <a:avLst/>
+          </a:prstGeom>
+          <a:solidFill>
+            <a:srgbClr val="FFFFFF"/>
+          </a:solidFill>
+          <a:ln w="12700">
+            <a:solidFill>
+              <a:srgbClr val="EF4444"/>
+            </a:solidFill>
+            <a:prstDash val="solid"/>
+          </a:ln>
+        </p:spPr>
+      </p:sp>
+      <p:sp>
+        <p:nvSpPr>
+          <p:cNvPr id="12" name="Text 10"/>
+          <p:cNvSpPr/>
+          <p:nvPr/>
+        </p:nvSpPr>
+        <p:spPr>
+          <a:xfrm>
+            <a:off x="1097280" y="2828925"/>
+            <a:ext cx="6949440" cy="360045"/>
+          </a:xfrm>
+          <a:prstGeom prst="rect">
+            <a:avLst/>
+          </a:prstGeom>
+          <a:noFill/>
+          <a:ln/>
+        </p:spPr>
+        <p:txBody>
+          <a:bodyPr wrap="square" rtlCol="0" anchor="ctr"/>
+          <a:lstStyle/>
+          <a:p>
+            <a:pPr algn="ctr" indent="0" marL="0">
+              <a:buNone/>
+            </a:pPr>
+            <a:r>
+              <a:rPr lang="en-US" sz="2000" b="1" dirty="0">
+                <a:solidFill>
+                  <a:srgbClr val="EF4444"/>
+                </a:solidFill>
+              </a:rPr>
+              <a:t>80% </a:t>
+            </a:r>
+            <a:pPr algn="ctr" indent="0" marL="0">
+              <a:buNone/>
+            </a:pPr>
+            <a:r>
+              <a:rPr lang="en-US" sz="900" b="1" dirty="0">
+                <a:solidFill>
+                  <a:srgbClr val="1E293B"/>
+                </a:solidFill>
+              </a:rPr>
+              <a:t>No comparison tools
+</a:t>
+            </a:r>
+            <a:pPr algn="ctr" indent="0" marL="0">
+              <a:buNone/>
+            </a:pPr>
+            <a:r>
+              <a:rPr lang="en-US" sz="700" i="1" dirty="0">
+                <a:solidFill>
+                  <a:srgbClr val="64748B"/>
+                </a:solidFill>
+              </a:rPr>
+              <a:t>Rely on Google searches</a:t>
+            </a:r>
+            <a:endParaRPr lang="en-US" sz="2000" dirty="0"/>
+          </a:p>
+        </p:txBody>
+      </p:sp>
+      <p:sp>
+        <p:nvSpPr>
+          <p:cNvPr id="13" name="Text 11"/>
+          <p:cNvSpPr/>
+          <p:nvPr/>
+        </p:nvSpPr>
+        <p:spPr>
+          <a:xfrm>
+            <a:off x="731520" y="3394710"/>
+            <a:ext cx="7680960" cy="205740"/>
+          </a:xfrm>
+          <a:prstGeom prst="rect">
+            <a:avLst/>
+          </a:prstGeom>
+          <a:noFill/>
+          <a:ln/>
+        </p:spPr>
+        <p:txBody>
+          <a:bodyPr wrap="square" rtlCol="0" anchor="ctr"/>
+          <a:lstStyle/>
+          <a:p>
+            <a:pPr algn="l" indent="0" marL="0">
+              <a:buNone/>
+            </a:pPr>
+            <a:r>
+              <a:rPr lang="en-US" sz="1000" b="1" dirty="0">
+                <a:solidFill>
+                  <a:srgbClr val="0A1628"/>
+                </a:solidFill>
+              </a:rPr>
+              <a:t>Merchant Pain:</a:t>
+            </a:r>
+            <a:endParaRPr lang="en-US" sz="1000" dirty="0"/>
+          </a:p>
+        </p:txBody>
+      </p:sp>
+      <p:sp>
+        <p:nvSpPr>
+          <p:cNvPr id="14" name="Shape 12"/>
+          <p:cNvSpPr/>
+          <p:nvPr/>
+        </p:nvSpPr>
+        <p:spPr>
+          <a:xfrm>
+            <a:off x="914400" y="3651885"/>
+            <a:ext cx="7315200" cy="514350"/>
+          </a:xfrm>
+          <a:prstGeom prst="rect">
+            <a:avLst/>
+          </a:prstGeom>
+          <a:solidFill>
+            <a:srgbClr val="F97316">
+              <a:alpha val="90000"/>
+            </a:srgbClr>
+          </a:solidFill>
+          <a:ln w="25400">
+            <a:solidFill>
+              <a:srgbClr val="F97316"/>
+            </a:solidFill>
+            <a:prstDash val="solid"/>
+          </a:ln>
+        </p:spPr>
+      </p:sp>
+      <p:sp>
+        <p:nvSpPr>
+          <p:cNvPr id="15" name="Text 13"/>
+          <p:cNvSpPr/>
+          <p:nvPr/>
+        </p:nvSpPr>
+        <p:spPr>
+          <a:xfrm>
+            <a:off x="1097280" y="3703320"/>
+            <a:ext cx="6949440" cy="411480"/>
+          </a:xfrm>
+          <a:prstGeom prst="rect">
+            <a:avLst/>
+          </a:prstGeom>
+          <a:noFill/>
+          <a:ln/>
+        </p:spPr>
+        <p:txBody>
+          <a:bodyPr wrap="square" rtlCol="0" anchor="ctr"/>
+          <a:lstStyle/>
+          <a:p>
+            <a:pPr algn="ctr" indent="0" marL="0">
+              <a:buNone/>
+            </a:pPr>
+            <a:r>
+              <a:rPr lang="en-US" sz="1400" b="1" dirty="0">
+                <a:solidFill>
+                  <a:srgbClr val="F97316"/>
+                </a:solidFill>
+              </a:rPr>
+              <a:t>-30% Margin Impact
+</a:t>
+            </a:r>
+            <a:pPr algn="ctr" indent="0" marL="0">
+              <a:buNone/>
+            </a:pPr>
+            <a:r>
+              <a:rPr lang="en-US" sz="800" dirty="0">
                 <a:solidFill>
                   <a:srgbClr val="334155"/>
                 </a:solidFill>
               </a:rPr>
-              <a:t>Overpay for products</a:t>
-            </a:r>
-            <a:endParaRPr lang="en-US" sz="3200" dirty="0"/>
-          </a:p>
-        </p:txBody>
-      </p:sp>
-      <p:sp>
-        <p:nvSpPr>
-          <p:cNvPr id="6" name="Text 4"/>
-          <p:cNvSpPr/>
-          <p:nvPr/>
-        </p:nvSpPr>
-        <p:spPr>
-          <a:xfrm>
-            <a:off x="1828800" y="2777490"/>
-            <a:ext cx="5486400" cy="617220"/>
+              <a:t>CAC crisis eating profitability</a:t>
+            </a:r>
+            <a:endParaRPr lang="en-US" sz="1400" dirty="0"/>
+          </a:p>
+        </p:txBody>
+      </p:sp>
+      <p:sp>
+        <p:nvSpPr>
+          <p:cNvPr id="16" name="Shape 14"/>
+          <p:cNvSpPr/>
+          <p:nvPr/>
+        </p:nvSpPr>
+        <p:spPr>
+          <a:xfrm>
+            <a:off x="914400" y="4320540"/>
+            <a:ext cx="7315200" cy="514350"/>
+          </a:xfrm>
+          <a:prstGeom prst="rect">
+            <a:avLst/>
+          </a:prstGeom>
+          <a:solidFill>
+            <a:srgbClr val="EF4444"/>
+          </a:solidFill>
+          <a:ln w="12700">
+            <a:solidFill>
+              <a:srgbClr val="EF4444"/>
+            </a:solidFill>
+            <a:prstDash val="solid"/>
+          </a:ln>
+        </p:spPr>
+      </p:sp>
+      <p:sp>
+        <p:nvSpPr>
+          <p:cNvPr id="17" name="Text 15"/>
+          <p:cNvSpPr/>
+          <p:nvPr/>
+        </p:nvSpPr>
+        <p:spPr>
+          <a:xfrm>
+            <a:off x="1097280" y="4371975"/>
+            <a:ext cx="6949440" cy="411480"/>
           </a:xfrm>
           <a:prstGeom prst="rect">
             <a:avLst/>
@@ -1979,112 +2574,26 @@
               <a:buNone/>
             </a:pPr>
             <a:r>
-              <a:rPr lang="en-US" sz="3200" b="1" dirty="0">
-                <a:solidFill>
-                  <a:srgbClr val="EF4444"/>
-                </a:solidFill>
-              </a:rPr>
-              <a:t>63%
+              <a:rPr lang="en-US" sz="900" b="1" dirty="0">
+                <a:solidFill>
+                  <a:srgbClr val="FFFFFF"/>
+                </a:solidFill>
+              </a:rPr>
+              <a:t>💸 Zero ROI Visibility
 </a:t>
             </a:r>
             <a:pPr algn="ctr" indent="0" marL="0">
               <a:buNone/>
             </a:pPr>
             <a:r>
-              <a:rPr lang="en-US" sz="1100" dirty="0">
-                <a:solidFill>
-                  <a:srgbClr val="334155"/>
-                </a:solidFill>
-              </a:rPr>
-              <a:t>Rewards unclaimed</a:t>
-            </a:r>
-            <a:endParaRPr lang="en-US" sz="3200" dirty="0"/>
-          </a:p>
-        </p:txBody>
-      </p:sp>
-      <p:sp>
-        <p:nvSpPr>
-          <p:cNvPr id="7" name="Text 5"/>
-          <p:cNvSpPr/>
-          <p:nvPr/>
-        </p:nvSpPr>
-        <p:spPr>
-          <a:xfrm>
-            <a:off x="1828800" y="3497580"/>
-            <a:ext cx="5486400" cy="617220"/>
-          </a:xfrm>
-          <a:prstGeom prst="rect">
-            <a:avLst/>
-          </a:prstGeom>
-          <a:noFill/>
-          <a:ln/>
-        </p:spPr>
-        <p:txBody>
-          <a:bodyPr wrap="square" rtlCol="0" anchor="ctr"/>
-          <a:lstStyle/>
-          <a:p>
-            <a:pPr algn="ctr" indent="0" marL="0">
-              <a:buNone/>
-            </a:pPr>
-            <a:r>
-              <a:rPr lang="en-US" sz="3200" b="1" dirty="0">
-                <a:solidFill>
-                  <a:srgbClr val="EF4444"/>
-                </a:solidFill>
-              </a:rPr>
-              <a:t>80%
-</a:t>
-            </a:r>
-            <a:pPr algn="ctr" indent="0" marL="0">
-              <a:buNone/>
-            </a:pPr>
-            <a:r>
-              <a:rPr lang="en-US" sz="1100" dirty="0">
-                <a:solidFill>
-                  <a:srgbClr val="334155"/>
-                </a:solidFill>
-              </a:rPr>
-              <a:t>No price comparison</a:t>
-            </a:r>
-            <a:endParaRPr lang="en-US" sz="3200" dirty="0"/>
-          </a:p>
-        </p:txBody>
-      </p:sp>
-      <p:sp>
-        <p:nvSpPr>
-          <p:cNvPr id="8" name="Text 6"/>
-          <p:cNvSpPr/>
-          <p:nvPr/>
-        </p:nvSpPr>
-        <p:spPr>
-          <a:xfrm>
-            <a:off x="1371600" y="4217670"/>
-            <a:ext cx="6400800" cy="411480"/>
-          </a:xfrm>
-          <a:prstGeom prst="rect">
-            <a:avLst/>
-          </a:prstGeom>
-          <a:solidFill>
-            <a:srgbClr val="F97316"/>
-          </a:solidFill>
-          <a:ln/>
-        </p:spPr>
-        <p:txBody>
-          <a:bodyPr wrap="square" rtlCol="0" anchor="ctr"/>
-          <a:lstStyle/>
-          <a:p>
-            <a:pPr algn="ctr" indent="0" marL="0">
-              <a:buNone/>
-            </a:pPr>
-            <a:r>
-              <a:rPr lang="en-US" sz="1300" b="1" dirty="0">
-                <a:solidFill>
-                  <a:srgbClr val="FFFFFF"/>
-                </a:solidFill>
-              </a:rPr>
-              <a:t>Merchant Pain: -30% Margins to CAC</a:t>
-            </a:r>
-            <a:endParaRPr lang="en-US" sz="1300" dirty="0"/>
+              <a:rPr lang="en-US" sz="700" dirty="0">
+                <a:solidFill>
+                  <a:srgbClr val="E2E8F0"/>
+                </a:solidFill>
+              </a:rPr>
+              <a:t>Merchants spend blindly on Google Ads &amp; Meta</a:t>
+            </a:r>
+            <a:endParaRPr lang="en-US" sz="900" dirty="0"/>
           </a:p>
         </p:txBody>
       </p:sp>
@@ -2128,8 +2637,8 @@
         </p:nvSpPr>
         <p:spPr>
           <a:xfrm>
-            <a:off x="1828800" y="411480"/>
-            <a:ext cx="5486400" cy="308610"/>
+            <a:off x="457200" y="205740"/>
+            <a:ext cx="8229600" cy="257175"/>
           </a:xfrm>
           <a:prstGeom prst="rect">
             <a:avLst/>
@@ -2147,14 +2656,14 @@
               <a:buNone/>
             </a:pPr>
             <a:r>
-              <a:rPr lang="en-US" sz="1200" b="1" dirty="0">
+              <a:rPr lang="en-US" sz="1100" b="1" dirty="0">
                 <a:solidFill>
                   <a:srgbClr val="FFFFFF"/>
                 </a:solidFill>
               </a:rPr>
               <a:t>MARKET &amp; INVESTMENT</a:t>
             </a:r>
-            <a:endParaRPr lang="en-US" sz="1200" dirty="0"/>
+            <a:endParaRPr lang="en-US" sz="1100" dirty="0"/>
           </a:p>
         </p:txBody>
       </p:sp>
@@ -2166,8 +2675,8 @@
         </p:nvSpPr>
         <p:spPr>
           <a:xfrm>
-            <a:off x="914400" y="925830"/>
-            <a:ext cx="7315200" cy="360045"/>
+            <a:off x="457200" y="565785"/>
+            <a:ext cx="8229600" cy="257175"/>
           </a:xfrm>
           <a:prstGeom prst="rect">
             <a:avLst/>
@@ -2183,14 +2692,14 @@
               <a:buNone/>
             </a:pPr>
             <a:r>
-              <a:rPr lang="en-US" sz="2400" b="1" dirty="0">
+              <a:rPr lang="en-US" sz="1800" b="1" dirty="0">
                 <a:solidFill>
                   <a:srgbClr val="3B82F6"/>
                 </a:solidFill>
               </a:rPr>
-              <a:t>$150B GCC Opportunity</a:t>
-            </a:r>
-            <a:endParaRPr lang="en-US" sz="2400" dirty="0"/>
+              <a:t>$150B GCC Market</a:t>
+            </a:r>
+            <a:endParaRPr lang="en-US" sz="1800" dirty="0"/>
           </a:p>
         </p:txBody>
       </p:sp>
@@ -2202,40 +2711,203 @@
         </p:nvSpPr>
         <p:spPr>
           <a:xfrm>
-            <a:off x="1828800" y="1543050"/>
-            <a:ext cx="5486400" cy="257175"/>
-          </a:xfrm>
-          <a:prstGeom prst="rect">
-            <a:avLst/>
-          </a:prstGeom>
-          <a:noFill/>
-          <a:ln/>
-        </p:spPr>
-        <p:txBody>
-          <a:bodyPr wrap="square" rtlCol="0" anchor="ctr"/>
-          <a:lstStyle/>
-          <a:p>
-            <a:pPr algn="ctr" indent="0" marL="0">
-              <a:buNone/>
-            </a:pPr>
-            <a:r>
-              <a:rPr lang="en-US" sz="1000" dirty="0">
-                <a:solidFill>
-                  <a:srgbClr val="475569"/>
-                </a:solidFill>
-              </a:rPr>
-              <a:t>TAM (GCC): </a:t>
-            </a:r>
-            <a:pPr algn="ctr" indent="0" marL="0">
-              <a:buNone/>
-            </a:pPr>
-            <a:r>
-              <a:rPr lang="en-US" sz="1600" b="1" dirty="0">
+            <a:off x="731520" y="925830"/>
+            <a:ext cx="7680960" cy="154305"/>
+          </a:xfrm>
+          <a:prstGeom prst="rect">
+            <a:avLst/>
+          </a:prstGeom>
+          <a:noFill/>
+          <a:ln/>
+        </p:spPr>
+        <p:txBody>
+          <a:bodyPr wrap="square" rtlCol="0" anchor="ctr"/>
+          <a:lstStyle/>
+          <a:p>
+            <a:pPr algn="l" indent="0" marL="0">
+              <a:buNone/>
+            </a:pPr>
+            <a:r>
+              <a:rPr lang="en-US" sz="900" b="1" dirty="0">
+                <a:solidFill>
+                  <a:srgbClr val="334155"/>
+                </a:solidFill>
+              </a:rPr>
+              <a:t>TAM: </a:t>
+            </a:r>
+            <a:pPr algn="l" indent="0" marL="0">
+              <a:buNone/>
+            </a:pPr>
+            <a:r>
+              <a:rPr lang="en-US" sz="1000" b="1" dirty="0">
                 <a:solidFill>
                   <a:srgbClr val="3B82F6"/>
                 </a:solidFill>
               </a:rPr>
-              <a:t>$150B</a:t>
+              <a:t>$150B </a:t>
+            </a:r>
+            <a:pPr algn="l" indent="0" marL="0">
+              <a:buNone/>
+            </a:pPr>
+            <a:r>
+              <a:rPr lang="en-US" sz="700" dirty="0">
+                <a:solidFill>
+                  <a:srgbClr val="64748B"/>
+                </a:solidFill>
+              </a:rPr>
+              <a:t>GCC Offline Retail</a:t>
+            </a:r>
+            <a:endParaRPr lang="en-US" sz="900" dirty="0"/>
+          </a:p>
+        </p:txBody>
+      </p:sp>
+      <p:sp>
+        <p:nvSpPr>
+          <p:cNvPr id="5" name="Text 3"/>
+          <p:cNvSpPr/>
+          <p:nvPr/>
+        </p:nvSpPr>
+        <p:spPr>
+          <a:xfrm>
+            <a:off x="731520" y="1157288"/>
+            <a:ext cx="7680960" cy="154305"/>
+          </a:xfrm>
+          <a:prstGeom prst="rect">
+            <a:avLst/>
+          </a:prstGeom>
+          <a:noFill/>
+          <a:ln/>
+        </p:spPr>
+        <p:txBody>
+          <a:bodyPr wrap="square" rtlCol="0" anchor="ctr"/>
+          <a:lstStyle/>
+          <a:p>
+            <a:pPr algn="l" indent="0" marL="0">
+              <a:buNone/>
+            </a:pPr>
+            <a:r>
+              <a:rPr lang="en-US" sz="900" b="1" dirty="0">
+                <a:solidFill>
+                  <a:srgbClr val="334155"/>
+                </a:solidFill>
+              </a:rPr>
+              <a:t>SAM: </a:t>
+            </a:r>
+            <a:pPr algn="l" indent="0" marL="0">
+              <a:buNone/>
+            </a:pPr>
+            <a:r>
+              <a:rPr lang="en-US" sz="1000" b="1" dirty="0">
+                <a:solidFill>
+                  <a:srgbClr val="A855F7"/>
+                </a:solidFill>
+              </a:rPr>
+              <a:t>$85B </a:t>
+            </a:r>
+            <a:pPr algn="l" indent="0" marL="0">
+              <a:buNone/>
+            </a:pPr>
+            <a:r>
+              <a:rPr lang="en-US" sz="700" dirty="0">
+                <a:solidFill>
+                  <a:srgbClr val="64748B"/>
+                </a:solidFill>
+              </a:rPr>
+              <a:t>UAE + KSA Focus Markets</a:t>
+            </a:r>
+            <a:endParaRPr lang="en-US" sz="900" dirty="0"/>
+          </a:p>
+        </p:txBody>
+      </p:sp>
+      <p:sp>
+        <p:nvSpPr>
+          <p:cNvPr id="6" name="Text 4"/>
+          <p:cNvSpPr/>
+          <p:nvPr/>
+        </p:nvSpPr>
+        <p:spPr>
+          <a:xfrm>
+            <a:off x="731520" y="1388745"/>
+            <a:ext cx="7680960" cy="154305"/>
+          </a:xfrm>
+          <a:prstGeom prst="rect">
+            <a:avLst/>
+          </a:prstGeom>
+          <a:noFill/>
+          <a:ln/>
+        </p:spPr>
+        <p:txBody>
+          <a:bodyPr wrap="square" rtlCol="0" anchor="ctr"/>
+          <a:lstStyle/>
+          <a:p>
+            <a:pPr algn="l" indent="0" marL="0">
+              <a:buNone/>
+            </a:pPr>
+            <a:r>
+              <a:rPr lang="en-US" sz="900" b="1" dirty="0">
+                <a:solidFill>
+                  <a:srgbClr val="334155"/>
+                </a:solidFill>
+              </a:rPr>
+              <a:t>SOM: </a:t>
+            </a:r>
+            <a:pPr algn="l" indent="0" marL="0">
+              <a:buNone/>
+            </a:pPr>
+            <a:r>
+              <a:rPr lang="en-US" sz="1000" b="1" dirty="0">
+                <a:solidFill>
+                  <a:srgbClr val="10B981"/>
+                </a:solidFill>
+              </a:rPr>
+              <a:t>$8.5B </a:t>
+            </a:r>
+            <a:pPr algn="l" indent="0" marL="0">
+              <a:buNone/>
+            </a:pPr>
+            <a:r>
+              <a:rPr lang="en-US" sz="700" dirty="0">
+                <a:solidFill>
+                  <a:srgbClr val="64748B"/>
+                </a:solidFill>
+              </a:rPr>
+              <a:t>Year 1-3 Target (10%)</a:t>
+            </a:r>
+            <a:endParaRPr lang="en-US" sz="900" dirty="0"/>
+          </a:p>
+        </p:txBody>
+      </p:sp>
+      <p:sp>
+        <p:nvSpPr>
+          <p:cNvPr id="7" name="Text 5"/>
+          <p:cNvSpPr/>
+          <p:nvPr/>
+        </p:nvSpPr>
+        <p:spPr>
+          <a:xfrm>
+            <a:off x="731520" y="1748790"/>
+            <a:ext cx="7680960" cy="205740"/>
+          </a:xfrm>
+          <a:prstGeom prst="rect">
+            <a:avLst/>
+          </a:prstGeom>
+          <a:noFill/>
+          <a:ln/>
+        </p:spPr>
+        <p:txBody>
+          <a:bodyPr wrap="square" rtlCol="0" anchor="ctr"/>
+          <a:lstStyle/>
+          <a:p>
+            <a:pPr algn="l" indent="0" marL="0">
+              <a:buNone/>
+            </a:pPr>
+            <a:r>
+              <a:rPr lang="en-US" sz="1000" b="1" dirty="0">
+                <a:solidFill>
+                  <a:srgbClr val="0A1628"/>
+                </a:solidFill>
+              </a:rPr>
+              <a:t>Go-to-Market Phases</a:t>
             </a:r>
             <a:endParaRPr lang="en-US" sz="1000" dirty="0"/>
           </a:p>
@@ -2243,180 +2915,1500 @@
       </p:sp>
       <p:sp>
         <p:nvSpPr>
-          <p:cNvPr id="5" name="Text 3"/>
-          <p:cNvSpPr/>
-          <p:nvPr/>
-        </p:nvSpPr>
-        <p:spPr>
-          <a:xfrm>
-            <a:off x="1828800" y="1903095"/>
-            <a:ext cx="5486400" cy="257175"/>
-          </a:xfrm>
-          <a:prstGeom prst="rect">
-            <a:avLst/>
-          </a:prstGeom>
-          <a:noFill/>
-          <a:ln/>
-        </p:spPr>
-        <p:txBody>
-          <a:bodyPr wrap="square" rtlCol="0" anchor="ctr"/>
-          <a:lstStyle/>
-          <a:p>
-            <a:pPr algn="ctr" indent="0" marL="0">
-              <a:buNone/>
-            </a:pPr>
-            <a:r>
-              <a:rPr lang="en-US" sz="1000" dirty="0">
-                <a:solidFill>
-                  <a:srgbClr val="475569"/>
-                </a:solidFill>
-              </a:rPr>
-              <a:t>SAM (UAE+KSA): </a:t>
-            </a:r>
-            <a:pPr algn="ctr" indent="0" marL="0">
-              <a:buNone/>
-            </a:pPr>
-            <a:r>
-              <a:rPr lang="en-US" sz="1600" b="1" dirty="0">
+          <p:cNvPr id="8" name="Text 6"/>
+          <p:cNvSpPr/>
+          <p:nvPr/>
+        </p:nvSpPr>
+        <p:spPr>
+          <a:xfrm>
+            <a:off x="731520" y="2005965"/>
+            <a:ext cx="7680960" cy="154305"/>
+          </a:xfrm>
+          <a:prstGeom prst="rect">
+            <a:avLst/>
+          </a:prstGeom>
+          <a:noFill/>
+          <a:ln/>
+        </p:spPr>
+        <p:txBody>
+          <a:bodyPr wrap="square" rtlCol="0" anchor="ctr"/>
+          <a:lstStyle/>
+          <a:p>
+            <a:pPr algn="l" indent="0" marL="0">
+              <a:buNone/>
+            </a:pPr>
+            <a:r>
+              <a:rPr lang="en-US" sz="800" b="1" dirty="0">
+                <a:solidFill>
+                  <a:srgbClr val="C9A227"/>
+                </a:solidFill>
+              </a:rPr>
+              <a:t>Q1 2026: </a:t>
+            </a:r>
+            <a:pPr algn="l" indent="0" marL="0">
+              <a:buNone/>
+            </a:pPr>
+            <a:r>
+              <a:rPr lang="en-US" sz="700" b="1" dirty="0">
+                <a:solidFill>
+                  <a:srgbClr val="334155"/>
+                </a:solidFill>
+              </a:rPr>
+              <a:t>Dubai Mall Pilot </a:t>
+            </a:r>
+            <a:pPr algn="l" indent="0" marL="0">
+              <a:buNone/>
+            </a:pPr>
+            <a:r>
+              <a:rPr lang="en-US" sz="600" i="1" dirty="0">
+                <a:solidFill>
+                  <a:srgbClr val="64748B"/>
+                </a:solidFill>
+              </a:rPr>
+              <a:t>(10 merchants, 1K users)</a:t>
+            </a:r>
+            <a:endParaRPr lang="en-US" sz="800" dirty="0"/>
+          </a:p>
+        </p:txBody>
+      </p:sp>
+      <p:sp>
+        <p:nvSpPr>
+          <p:cNvPr id="9" name="Text 7"/>
+          <p:cNvSpPr/>
+          <p:nvPr/>
+        </p:nvSpPr>
+        <p:spPr>
+          <a:xfrm>
+            <a:off x="731520" y="2185988"/>
+            <a:ext cx="7680960" cy="154305"/>
+          </a:xfrm>
+          <a:prstGeom prst="rect">
+            <a:avLst/>
+          </a:prstGeom>
+          <a:noFill/>
+          <a:ln/>
+        </p:spPr>
+        <p:txBody>
+          <a:bodyPr wrap="square" rtlCol="0" anchor="ctr"/>
+          <a:lstStyle/>
+          <a:p>
+            <a:pPr algn="l" indent="0" marL="0">
+              <a:buNone/>
+            </a:pPr>
+            <a:r>
+              <a:rPr lang="en-US" sz="800" b="1" dirty="0">
+                <a:solidFill>
+                  <a:srgbClr val="C9A227"/>
+                </a:solidFill>
+              </a:rPr>
+              <a:t>Q2 2026: </a:t>
+            </a:r>
+            <a:pPr algn="l" indent="0" marL="0">
+              <a:buNone/>
+            </a:pPr>
+            <a:r>
+              <a:rPr lang="en-US" sz="700" b="1" dirty="0">
+                <a:solidFill>
+                  <a:srgbClr val="334155"/>
+                </a:solidFill>
+              </a:rPr>
+              <a:t>Dubai Expansion </a:t>
+            </a:r>
+            <a:pPr algn="l" indent="0" marL="0">
+              <a:buNone/>
+            </a:pPr>
+            <a:r>
+              <a:rPr lang="en-US" sz="600" i="1" dirty="0">
+                <a:solidFill>
+                  <a:srgbClr val="64748B"/>
+                </a:solidFill>
+              </a:rPr>
+              <a:t>(50 merchants, 5K users)</a:t>
+            </a:r>
+            <a:endParaRPr lang="en-US" sz="800" dirty="0"/>
+          </a:p>
+        </p:txBody>
+      </p:sp>
+      <p:sp>
+        <p:nvSpPr>
+          <p:cNvPr id="10" name="Text 8"/>
+          <p:cNvSpPr/>
+          <p:nvPr/>
+        </p:nvSpPr>
+        <p:spPr>
+          <a:xfrm>
+            <a:off x="731520" y="2366010"/>
+            <a:ext cx="7680960" cy="154305"/>
+          </a:xfrm>
+          <a:prstGeom prst="rect">
+            <a:avLst/>
+          </a:prstGeom>
+          <a:noFill/>
+          <a:ln/>
+        </p:spPr>
+        <p:txBody>
+          <a:bodyPr wrap="square" rtlCol="0" anchor="ctr"/>
+          <a:lstStyle/>
+          <a:p>
+            <a:pPr algn="l" indent="0" marL="0">
+              <a:buNone/>
+            </a:pPr>
+            <a:r>
+              <a:rPr lang="en-US" sz="800" b="1" dirty="0">
+                <a:solidFill>
+                  <a:srgbClr val="C9A227"/>
+                </a:solidFill>
+              </a:rPr>
+              <a:t>Q3 2026: </a:t>
+            </a:r>
+            <a:pPr algn="l" indent="0" marL="0">
+              <a:buNone/>
+            </a:pPr>
+            <a:r>
+              <a:rPr lang="en-US" sz="700" b="1" dirty="0">
+                <a:solidFill>
+                  <a:srgbClr val="334155"/>
+                </a:solidFill>
+              </a:rPr>
+              <a:t>UAE-wide </a:t>
+            </a:r>
+            <a:pPr algn="l" indent="0" marL="0">
+              <a:buNone/>
+            </a:pPr>
+            <a:r>
+              <a:rPr lang="en-US" sz="600" i="1" dirty="0">
+                <a:solidFill>
+                  <a:srgbClr val="64748B"/>
+                </a:solidFill>
+              </a:rPr>
+              <a:t>(200 merchants, 20K users)</a:t>
+            </a:r>
+            <a:endParaRPr lang="en-US" sz="800" dirty="0"/>
+          </a:p>
+        </p:txBody>
+      </p:sp>
+      <p:sp>
+        <p:nvSpPr>
+          <p:cNvPr id="11" name="Text 9"/>
+          <p:cNvSpPr/>
+          <p:nvPr/>
+        </p:nvSpPr>
+        <p:spPr>
+          <a:xfrm>
+            <a:off x="731520" y="2546033"/>
+            <a:ext cx="7680960" cy="154305"/>
+          </a:xfrm>
+          <a:prstGeom prst="rect">
+            <a:avLst/>
+          </a:prstGeom>
+          <a:noFill/>
+          <a:ln/>
+        </p:spPr>
+        <p:txBody>
+          <a:bodyPr wrap="square" rtlCol="0" anchor="ctr"/>
+          <a:lstStyle/>
+          <a:p>
+            <a:pPr algn="l" indent="0" marL="0">
+              <a:buNone/>
+            </a:pPr>
+            <a:r>
+              <a:rPr lang="en-US" sz="800" b="1" dirty="0">
+                <a:solidFill>
+                  <a:srgbClr val="C9A227"/>
+                </a:solidFill>
+              </a:rPr>
+              <a:t>Q4 2026: </a:t>
+            </a:r>
+            <a:pPr algn="l" indent="0" marL="0">
+              <a:buNone/>
+            </a:pPr>
+            <a:r>
+              <a:rPr lang="en-US" sz="700" b="1" dirty="0">
+                <a:solidFill>
+                  <a:srgbClr val="334155"/>
+                </a:solidFill>
+              </a:rPr>
+              <a:t>GCC Launch </a:t>
+            </a:r>
+            <a:pPr algn="l" indent="0" marL="0">
+              <a:buNone/>
+            </a:pPr>
+            <a:r>
+              <a:rPr lang="en-US" sz="600" i="1" dirty="0">
+                <a:solidFill>
+                  <a:srgbClr val="64748B"/>
+                </a:solidFill>
+              </a:rPr>
+              <a:t>(KSA + regional expansion)</a:t>
+            </a:r>
+            <a:endParaRPr lang="en-US" sz="800" dirty="0"/>
+          </a:p>
+        </p:txBody>
+      </p:sp>
+      <p:sp>
+        <p:nvSpPr>
+          <p:cNvPr id="12" name="Text 10"/>
+          <p:cNvSpPr/>
+          <p:nvPr/>
+        </p:nvSpPr>
+        <p:spPr>
+          <a:xfrm>
+            <a:off x="731520" y="2777490"/>
+            <a:ext cx="7680960" cy="205740"/>
+          </a:xfrm>
+          <a:prstGeom prst="rect">
+            <a:avLst/>
+          </a:prstGeom>
+          <a:noFill/>
+          <a:ln/>
+        </p:spPr>
+        <p:txBody>
+          <a:bodyPr wrap="square" rtlCol="0" anchor="ctr"/>
+          <a:lstStyle/>
+          <a:p>
+            <a:pPr algn="l" indent="0" marL="0">
+              <a:buNone/>
+            </a:pPr>
+            <a:r>
+              <a:rPr lang="en-US" sz="1000" b="1" dirty="0">
+                <a:solidFill>
+                  <a:srgbClr val="0A1628"/>
+                </a:solidFill>
+              </a:rPr>
+              <a:t>Competitive Landscape</a:t>
+            </a:r>
+            <a:endParaRPr lang="en-US" sz="1000" dirty="0"/>
+          </a:p>
+        </p:txBody>
+      </p:sp>
+      <p:graphicFrame>
+        <p:nvGraphicFramePr>
+          <p:cNvPr id="4" name="Table 0"/>
+          <p:cNvGraphicFramePr>
+            <a:graphicFrameLocks noGrp="1"/>
+          </p:cNvGraphicFramePr>
+          <p:nvPr>
+            <p:extLst>
+              <p:ext uri="{D42A27DB-BD31-4B8C-83A1-F6EECF244321}">
+                <p14:modId xmlns:p14="http://schemas.microsoft.com/office/powerpoint/2010/main" val="1579011935"/>
+              </p:ext>
+            </p:extLst>
+          </p:nvPr>
+        </p:nvGraphicFramePr>
+        <p:xfrm>
+          <a:off x="731520" y="3034665"/>
+          <a:ext cx="7680960" cy="720090"/>
+        </p:xfrm>
+        <a:graphic>
+          <a:graphicData uri="http://schemas.openxmlformats.org/drawingml/2006/table">
+            <a:tbl>
+              <a:tblPr/>
+              <a:tblGrid>
+                <a:gridCol w="1920240"/>
+                <a:gridCol w="1920240"/>
+                <a:gridCol w="1920240"/>
+                <a:gridCol w="1920240"/>
+              </a:tblGrid>
+              <a:tr h="180023">
+                <a:tc>
+                  <a:txBody>
+                    <a:bodyPr/>
+                    <a:lstStyle/>
+                    <a:p>
+                      <a:pPr algn="ctr" indent="0" marL="0">
+                        <a:buNone/>
+                      </a:pPr>
+                      <a:endParaRPr lang="en-US" sz="700" dirty="0"/>
+                    </a:p>
+                  </a:txBody>
+                  <a:tcPr marL="91440" marR="91440" marT="45720" marB="45720" anchor="ctr">
+                    <a:lnL w="12700" cap="flat" cmpd="sng" algn="ctr">
+                      <a:solidFill>
+                        <a:srgbClr val="CBD5E1"/>
+                      </a:solidFill>
+                      <a:prstDash val="solid"/>
+                      <a:round/>
+                      <a:headEnd type="none" w="med" len="med"/>
+                      <a:tailEnd type="none" w="med" len="med"/>
+                    </a:lnL>
+                    <a:lnR w="12700" cap="flat" cmpd="sng" algn="ctr">
+                      <a:solidFill>
+                        <a:srgbClr val="CBD5E1"/>
+                      </a:solidFill>
+                      <a:prstDash val="solid"/>
+                      <a:round/>
+                      <a:headEnd type="none" w="med" len="med"/>
+                      <a:tailEnd type="none" w="med" len="med"/>
+                    </a:lnR>
+                    <a:lnT w="12700" cap="flat" cmpd="sng" algn="ctr">
+                      <a:solidFill>
+                        <a:srgbClr val="CBD5E1"/>
+                      </a:solidFill>
+                      <a:prstDash val="solid"/>
+                      <a:round/>
+                      <a:headEnd type="none" w="med" len="med"/>
+                      <a:tailEnd type="none" w="med" len="med"/>
+                    </a:lnT>
+                    <a:lnB w="12700" cap="flat" cmpd="sng" algn="ctr">
+                      <a:solidFill>
+                        <a:srgbClr val="CBD5E1"/>
+                      </a:solidFill>
+                      <a:prstDash val="solid"/>
+                      <a:round/>
+                      <a:headEnd type="none" w="med" len="med"/>
+                      <a:tailEnd type="none" w="med" len="med"/>
+                    </a:lnB>
+                    <a:solidFill>
+                      <a:srgbClr val="FFFFFF"/>
+                    </a:solidFill>
+                  </a:tcPr>
+                </a:tc>
+                <a:tc>
+                  <a:txBody>
+                    <a:bodyPr/>
+                    <a:lstStyle/>
+                    <a:p>
+                      <a:pPr algn="ctr" indent="0" marL="0">
+                        <a:buNone/>
+                      </a:pPr>
+                      <a:r>
+                        <a:rPr lang="en-US" sz="700" b="1" dirty="0">
+                          <a:solidFill>
+                            <a:srgbClr val="C9A227"/>
+                          </a:solidFill>
+                        </a:rPr>
+                        <a:t>Nuqta</a:t>
+                      </a:r>
+                      <a:endParaRPr lang="en-US" sz="700" dirty="0"/>
+                    </a:p>
+                  </a:txBody>
+                  <a:tcPr marL="91440" marR="91440" marT="45720" marB="45720" anchor="ctr">
+                    <a:lnL w="12700" cap="flat" cmpd="sng" algn="ctr">
+                      <a:solidFill>
+                        <a:srgbClr val="CBD5E1"/>
+                      </a:solidFill>
+                      <a:prstDash val="solid"/>
+                      <a:round/>
+                      <a:headEnd type="none" w="med" len="med"/>
+                      <a:tailEnd type="none" w="med" len="med"/>
+                    </a:lnL>
+                    <a:lnR w="12700" cap="flat" cmpd="sng" algn="ctr">
+                      <a:solidFill>
+                        <a:srgbClr val="CBD5E1"/>
+                      </a:solidFill>
+                      <a:prstDash val="solid"/>
+                      <a:round/>
+                      <a:headEnd type="none" w="med" len="med"/>
+                      <a:tailEnd type="none" w="med" len="med"/>
+                    </a:lnR>
+                    <a:lnT w="12700" cap="flat" cmpd="sng" algn="ctr">
+                      <a:solidFill>
+                        <a:srgbClr val="CBD5E1"/>
+                      </a:solidFill>
+                      <a:prstDash val="solid"/>
+                      <a:round/>
+                      <a:headEnd type="none" w="med" len="med"/>
+                      <a:tailEnd type="none" w="med" len="med"/>
+                    </a:lnT>
+                    <a:lnB w="12700" cap="flat" cmpd="sng" algn="ctr">
+                      <a:solidFill>
+                        <a:srgbClr val="CBD5E1"/>
+                      </a:solidFill>
+                      <a:prstDash val="solid"/>
+                      <a:round/>
+                      <a:headEnd type="none" w="med" len="med"/>
+                      <a:tailEnd type="none" w="med" len="med"/>
+                    </a:lnB>
+                    <a:solidFill>
+                      <a:srgbClr val="FFFFFF"/>
+                    </a:solidFill>
+                  </a:tcPr>
+                </a:tc>
+                <a:tc>
+                  <a:txBody>
+                    <a:bodyPr/>
+                    <a:lstStyle/>
+                    <a:p>
+                      <a:pPr algn="ctr" indent="0" marL="0">
+                        <a:buNone/>
+                      </a:pPr>
+                      <a:r>
+                        <a:rPr lang="en-US" sz="700" dirty="0">
+                          <a:solidFill>
+                            <a:srgbClr val="64748B"/>
+                          </a:solidFill>
+                        </a:rPr>
+                        <a:t>Cards</a:t>
+                      </a:r>
+                      <a:endParaRPr lang="en-US" sz="700" dirty="0"/>
+                    </a:p>
+                  </a:txBody>
+                  <a:tcPr marL="91440" marR="91440" marT="45720" marB="45720" anchor="ctr">
+                    <a:lnL w="12700" cap="flat" cmpd="sng" algn="ctr">
+                      <a:solidFill>
+                        <a:srgbClr val="CBD5E1"/>
+                      </a:solidFill>
+                      <a:prstDash val="solid"/>
+                      <a:round/>
+                      <a:headEnd type="none" w="med" len="med"/>
+                      <a:tailEnd type="none" w="med" len="med"/>
+                    </a:lnL>
+                    <a:lnR w="12700" cap="flat" cmpd="sng" algn="ctr">
+                      <a:solidFill>
+                        <a:srgbClr val="CBD5E1"/>
+                      </a:solidFill>
+                      <a:prstDash val="solid"/>
+                      <a:round/>
+                      <a:headEnd type="none" w="med" len="med"/>
+                      <a:tailEnd type="none" w="med" len="med"/>
+                    </a:lnR>
+                    <a:lnT w="12700" cap="flat" cmpd="sng" algn="ctr">
+                      <a:solidFill>
+                        <a:srgbClr val="CBD5E1"/>
+                      </a:solidFill>
+                      <a:prstDash val="solid"/>
+                      <a:round/>
+                      <a:headEnd type="none" w="med" len="med"/>
+                      <a:tailEnd type="none" w="med" len="med"/>
+                    </a:lnT>
+                    <a:lnB w="12700" cap="flat" cmpd="sng" algn="ctr">
+                      <a:solidFill>
+                        <a:srgbClr val="CBD5E1"/>
+                      </a:solidFill>
+                      <a:prstDash val="solid"/>
+                      <a:round/>
+                      <a:headEnd type="none" w="med" len="med"/>
+                      <a:tailEnd type="none" w="med" len="med"/>
+                    </a:lnB>
+                    <a:solidFill>
+                      <a:srgbClr val="FFFFFF"/>
+                    </a:solidFill>
+                  </a:tcPr>
+                </a:tc>
+                <a:tc>
+                  <a:txBody>
+                    <a:bodyPr/>
+                    <a:lstStyle/>
+                    <a:p>
+                      <a:pPr algn="ctr" indent="0" marL="0">
+                        <a:buNone/>
+                      </a:pPr>
+                      <a:r>
+                        <a:rPr lang="en-US" sz="700" dirty="0">
+                          <a:solidFill>
+                            <a:srgbClr val="64748B"/>
+                          </a:solidFill>
+                        </a:rPr>
+                        <a:t>Smiles</a:t>
+                      </a:r>
+                      <a:endParaRPr lang="en-US" sz="700" dirty="0"/>
+                    </a:p>
+                  </a:txBody>
+                  <a:tcPr marL="91440" marR="91440" marT="45720" marB="45720" anchor="ctr">
+                    <a:lnL w="12700" cap="flat" cmpd="sng" algn="ctr">
+                      <a:solidFill>
+                        <a:srgbClr val="CBD5E1"/>
+                      </a:solidFill>
+                      <a:prstDash val="solid"/>
+                      <a:round/>
+                      <a:headEnd type="none" w="med" len="med"/>
+                      <a:tailEnd type="none" w="med" len="med"/>
+                    </a:lnL>
+                    <a:lnR w="12700" cap="flat" cmpd="sng" algn="ctr">
+                      <a:solidFill>
+                        <a:srgbClr val="CBD5E1"/>
+                      </a:solidFill>
+                      <a:prstDash val="solid"/>
+                      <a:round/>
+                      <a:headEnd type="none" w="med" len="med"/>
+                      <a:tailEnd type="none" w="med" len="med"/>
+                    </a:lnR>
+                    <a:lnT w="12700" cap="flat" cmpd="sng" algn="ctr">
+                      <a:solidFill>
+                        <a:srgbClr val="CBD5E1"/>
+                      </a:solidFill>
+                      <a:prstDash val="solid"/>
+                      <a:round/>
+                      <a:headEnd type="none" w="med" len="med"/>
+                      <a:tailEnd type="none" w="med" len="med"/>
+                    </a:lnT>
+                    <a:lnB w="12700" cap="flat" cmpd="sng" algn="ctr">
+                      <a:solidFill>
+                        <a:srgbClr val="CBD5E1"/>
+                      </a:solidFill>
+                      <a:prstDash val="solid"/>
+                      <a:round/>
+                      <a:headEnd type="none" w="med" len="med"/>
+                      <a:tailEnd type="none" w="med" len="med"/>
+                    </a:lnB>
+                    <a:solidFill>
+                      <a:srgbClr val="FFFFFF"/>
+                    </a:solidFill>
+                  </a:tcPr>
+                </a:tc>
+              </a:tr>
+              <a:tr h="180023">
+                <a:tc>
+                  <a:txBody>
+                    <a:bodyPr/>
+                    <a:lstStyle/>
+                    <a:p>
+                      <a:pPr algn="ctr" indent="0" marL="0">
+                        <a:buNone/>
+                      </a:pPr>
+                      <a:r>
+                        <a:rPr lang="en-US" sz="700" dirty="0">
+                          <a:solidFill>
+                            <a:srgbClr val="334155"/>
+                          </a:solidFill>
+                        </a:rPr>
+                        <a:t>Offline</a:t>
+                      </a:r>
+                      <a:endParaRPr lang="en-US" sz="700" dirty="0"/>
+                    </a:p>
+                  </a:txBody>
+                  <a:tcPr marL="91440" marR="91440" marT="45720" marB="45720" anchor="ctr">
+                    <a:lnL w="12700" cap="flat" cmpd="sng" algn="ctr">
+                      <a:solidFill>
+                        <a:srgbClr val="CBD5E1"/>
+                      </a:solidFill>
+                      <a:prstDash val="solid"/>
+                      <a:round/>
+                      <a:headEnd type="none" w="med" len="med"/>
+                      <a:tailEnd type="none" w="med" len="med"/>
+                    </a:lnL>
+                    <a:lnR w="12700" cap="flat" cmpd="sng" algn="ctr">
+                      <a:solidFill>
+                        <a:srgbClr val="CBD5E1"/>
+                      </a:solidFill>
+                      <a:prstDash val="solid"/>
+                      <a:round/>
+                      <a:headEnd type="none" w="med" len="med"/>
+                      <a:tailEnd type="none" w="med" len="med"/>
+                    </a:lnR>
+                    <a:lnT w="12700" cap="flat" cmpd="sng" algn="ctr">
+                      <a:solidFill>
+                        <a:srgbClr val="CBD5E1"/>
+                      </a:solidFill>
+                      <a:prstDash val="solid"/>
+                      <a:round/>
+                      <a:headEnd type="none" w="med" len="med"/>
+                      <a:tailEnd type="none" w="med" len="med"/>
+                    </a:lnT>
+                    <a:lnB w="12700" cap="flat" cmpd="sng" algn="ctr">
+                      <a:solidFill>
+                        <a:srgbClr val="CBD5E1"/>
+                      </a:solidFill>
+                      <a:prstDash val="solid"/>
+                      <a:round/>
+                      <a:headEnd type="none" w="med" len="med"/>
+                      <a:tailEnd type="none" w="med" len="med"/>
+                    </a:lnB>
+                    <a:solidFill>
+                      <a:srgbClr val="FFFFFF"/>
+                    </a:solidFill>
+                  </a:tcPr>
+                </a:tc>
+                <a:tc>
+                  <a:txBody>
+                    <a:bodyPr/>
+                    <a:lstStyle/>
+                    <a:p>
+                      <a:pPr algn="ctr" indent="0" marL="0">
+                        <a:buNone/>
+                      </a:pPr>
+                      <a:r>
+                        <a:rPr lang="en-US" sz="900" dirty="0">
+                          <a:solidFill>
+                            <a:srgbClr val="22C55E"/>
+                          </a:solidFill>
+                        </a:rPr>
+                        <a:t>✓</a:t>
+                      </a:r>
+                      <a:endParaRPr lang="en-US" sz="900" dirty="0"/>
+                    </a:p>
+                  </a:txBody>
+                  <a:tcPr marL="91440" marR="91440" marT="45720" marB="45720" anchor="ctr">
+                    <a:lnL w="12700" cap="flat" cmpd="sng" algn="ctr">
+                      <a:solidFill>
+                        <a:srgbClr val="CBD5E1"/>
+                      </a:solidFill>
+                      <a:prstDash val="solid"/>
+                      <a:round/>
+                      <a:headEnd type="none" w="med" len="med"/>
+                      <a:tailEnd type="none" w="med" len="med"/>
+                    </a:lnL>
+                    <a:lnR w="12700" cap="flat" cmpd="sng" algn="ctr">
+                      <a:solidFill>
+                        <a:srgbClr val="CBD5E1"/>
+                      </a:solidFill>
+                      <a:prstDash val="solid"/>
+                      <a:round/>
+                      <a:headEnd type="none" w="med" len="med"/>
+                      <a:tailEnd type="none" w="med" len="med"/>
+                    </a:lnR>
+                    <a:lnT w="12700" cap="flat" cmpd="sng" algn="ctr">
+                      <a:solidFill>
+                        <a:srgbClr val="CBD5E1"/>
+                      </a:solidFill>
+                      <a:prstDash val="solid"/>
+                      <a:round/>
+                      <a:headEnd type="none" w="med" len="med"/>
+                      <a:tailEnd type="none" w="med" len="med"/>
+                    </a:lnT>
+                    <a:lnB w="12700" cap="flat" cmpd="sng" algn="ctr">
+                      <a:solidFill>
+                        <a:srgbClr val="CBD5E1"/>
+                      </a:solidFill>
+                      <a:prstDash val="solid"/>
+                      <a:round/>
+                      <a:headEnd type="none" w="med" len="med"/>
+                      <a:tailEnd type="none" w="med" len="med"/>
+                    </a:lnB>
+                    <a:solidFill>
+                      <a:srgbClr val="FFFFFF"/>
+                    </a:solidFill>
+                  </a:tcPr>
+                </a:tc>
+                <a:tc>
+                  <a:txBody>
+                    <a:bodyPr/>
+                    <a:lstStyle/>
+                    <a:p>
+                      <a:pPr algn="ctr" indent="0" marL="0">
+                        <a:buNone/>
+                      </a:pPr>
+                      <a:r>
+                        <a:rPr lang="en-US" sz="900" dirty="0">
+                          <a:solidFill>
+                            <a:srgbClr val="EF4444"/>
+                          </a:solidFill>
+                        </a:rPr>
+                        <a:t>×</a:t>
+                      </a:r>
+                      <a:endParaRPr lang="en-US" sz="900" dirty="0"/>
+                    </a:p>
+                  </a:txBody>
+                  <a:tcPr marL="91440" marR="91440" marT="45720" marB="45720" anchor="ctr">
+                    <a:lnL w="12700" cap="flat" cmpd="sng" algn="ctr">
+                      <a:solidFill>
+                        <a:srgbClr val="CBD5E1"/>
+                      </a:solidFill>
+                      <a:prstDash val="solid"/>
+                      <a:round/>
+                      <a:headEnd type="none" w="med" len="med"/>
+                      <a:tailEnd type="none" w="med" len="med"/>
+                    </a:lnL>
+                    <a:lnR w="12700" cap="flat" cmpd="sng" algn="ctr">
+                      <a:solidFill>
+                        <a:srgbClr val="CBD5E1"/>
+                      </a:solidFill>
+                      <a:prstDash val="solid"/>
+                      <a:round/>
+                      <a:headEnd type="none" w="med" len="med"/>
+                      <a:tailEnd type="none" w="med" len="med"/>
+                    </a:lnR>
+                    <a:lnT w="12700" cap="flat" cmpd="sng" algn="ctr">
+                      <a:solidFill>
+                        <a:srgbClr val="CBD5E1"/>
+                      </a:solidFill>
+                      <a:prstDash val="solid"/>
+                      <a:round/>
+                      <a:headEnd type="none" w="med" len="med"/>
+                      <a:tailEnd type="none" w="med" len="med"/>
+                    </a:lnT>
+                    <a:lnB w="12700" cap="flat" cmpd="sng" algn="ctr">
+                      <a:solidFill>
+                        <a:srgbClr val="CBD5E1"/>
+                      </a:solidFill>
+                      <a:prstDash val="solid"/>
+                      <a:round/>
+                      <a:headEnd type="none" w="med" len="med"/>
+                      <a:tailEnd type="none" w="med" len="med"/>
+                    </a:lnB>
+                    <a:solidFill>
+                      <a:srgbClr val="FFFFFF"/>
+                    </a:solidFill>
+                  </a:tcPr>
+                </a:tc>
+                <a:tc>
+                  <a:txBody>
+                    <a:bodyPr/>
+                    <a:lstStyle/>
+                    <a:p>
+                      <a:pPr algn="ctr" indent="0" marL="0">
+                        <a:buNone/>
+                      </a:pPr>
+                      <a:r>
+                        <a:rPr lang="en-US" sz="900" dirty="0">
+                          <a:solidFill>
+                            <a:srgbClr val="EF4444"/>
+                          </a:solidFill>
+                        </a:rPr>
+                        <a:t>×</a:t>
+                      </a:r>
+                      <a:endParaRPr lang="en-US" sz="900" dirty="0"/>
+                    </a:p>
+                  </a:txBody>
+                  <a:tcPr marL="91440" marR="91440" marT="45720" marB="45720" anchor="ctr">
+                    <a:lnL w="12700" cap="flat" cmpd="sng" algn="ctr">
+                      <a:solidFill>
+                        <a:srgbClr val="CBD5E1"/>
+                      </a:solidFill>
+                      <a:prstDash val="solid"/>
+                      <a:round/>
+                      <a:headEnd type="none" w="med" len="med"/>
+                      <a:tailEnd type="none" w="med" len="med"/>
+                    </a:lnL>
+                    <a:lnR w="12700" cap="flat" cmpd="sng" algn="ctr">
+                      <a:solidFill>
+                        <a:srgbClr val="CBD5E1"/>
+                      </a:solidFill>
+                      <a:prstDash val="solid"/>
+                      <a:round/>
+                      <a:headEnd type="none" w="med" len="med"/>
+                      <a:tailEnd type="none" w="med" len="med"/>
+                    </a:lnR>
+                    <a:lnT w="12700" cap="flat" cmpd="sng" algn="ctr">
+                      <a:solidFill>
+                        <a:srgbClr val="CBD5E1"/>
+                      </a:solidFill>
+                      <a:prstDash val="solid"/>
+                      <a:round/>
+                      <a:headEnd type="none" w="med" len="med"/>
+                      <a:tailEnd type="none" w="med" len="med"/>
+                    </a:lnT>
+                    <a:lnB w="12700" cap="flat" cmpd="sng" algn="ctr">
+                      <a:solidFill>
+                        <a:srgbClr val="CBD5E1"/>
+                      </a:solidFill>
+                      <a:prstDash val="solid"/>
+                      <a:round/>
+                      <a:headEnd type="none" w="med" len="med"/>
+                      <a:tailEnd type="none" w="med" len="med"/>
+                    </a:lnB>
+                    <a:solidFill>
+                      <a:srgbClr val="FFFFFF"/>
+                    </a:solidFill>
+                  </a:tcPr>
+                </a:tc>
+              </a:tr>
+              <a:tr h="180023">
+                <a:tc>
+                  <a:txBody>
+                    <a:bodyPr/>
+                    <a:lstStyle/>
+                    <a:p>
+                      <a:pPr algn="ctr" indent="0" marL="0">
+                        <a:buNone/>
+                      </a:pPr>
+                      <a:r>
+                        <a:rPr lang="en-US" sz="700" dirty="0">
+                          <a:solidFill>
+                            <a:srgbClr val="334155"/>
+                          </a:solidFill>
+                        </a:rPr>
+                        <a:t>Universal</a:t>
+                      </a:r>
+                      <a:endParaRPr lang="en-US" sz="700" dirty="0"/>
+                    </a:p>
+                  </a:txBody>
+                  <a:tcPr marL="91440" marR="91440" marT="45720" marB="45720" anchor="ctr">
+                    <a:lnL w="12700" cap="flat" cmpd="sng" algn="ctr">
+                      <a:solidFill>
+                        <a:srgbClr val="CBD5E1"/>
+                      </a:solidFill>
+                      <a:prstDash val="solid"/>
+                      <a:round/>
+                      <a:headEnd type="none" w="med" len="med"/>
+                      <a:tailEnd type="none" w="med" len="med"/>
+                    </a:lnL>
+                    <a:lnR w="12700" cap="flat" cmpd="sng" algn="ctr">
+                      <a:solidFill>
+                        <a:srgbClr val="CBD5E1"/>
+                      </a:solidFill>
+                      <a:prstDash val="solid"/>
+                      <a:round/>
+                      <a:headEnd type="none" w="med" len="med"/>
+                      <a:tailEnd type="none" w="med" len="med"/>
+                    </a:lnR>
+                    <a:lnT w="12700" cap="flat" cmpd="sng" algn="ctr">
+                      <a:solidFill>
+                        <a:srgbClr val="CBD5E1"/>
+                      </a:solidFill>
+                      <a:prstDash val="solid"/>
+                      <a:round/>
+                      <a:headEnd type="none" w="med" len="med"/>
+                      <a:tailEnd type="none" w="med" len="med"/>
+                    </a:lnT>
+                    <a:lnB w="12700" cap="flat" cmpd="sng" algn="ctr">
+                      <a:solidFill>
+                        <a:srgbClr val="CBD5E1"/>
+                      </a:solidFill>
+                      <a:prstDash val="solid"/>
+                      <a:round/>
+                      <a:headEnd type="none" w="med" len="med"/>
+                      <a:tailEnd type="none" w="med" len="med"/>
+                    </a:lnB>
+                    <a:solidFill>
+                      <a:srgbClr val="FFFFFF"/>
+                    </a:solidFill>
+                  </a:tcPr>
+                </a:tc>
+                <a:tc>
+                  <a:txBody>
+                    <a:bodyPr/>
+                    <a:lstStyle/>
+                    <a:p>
+                      <a:pPr algn="ctr" indent="0" marL="0">
+                        <a:buNone/>
+                      </a:pPr>
+                      <a:r>
+                        <a:rPr lang="en-US" sz="900" dirty="0">
+                          <a:solidFill>
+                            <a:srgbClr val="22C55E"/>
+                          </a:solidFill>
+                        </a:rPr>
+                        <a:t>✓</a:t>
+                      </a:r>
+                      <a:endParaRPr lang="en-US" sz="900" dirty="0"/>
+                    </a:p>
+                  </a:txBody>
+                  <a:tcPr marL="91440" marR="91440" marT="45720" marB="45720" anchor="ctr">
+                    <a:lnL w="12700" cap="flat" cmpd="sng" algn="ctr">
+                      <a:solidFill>
+                        <a:srgbClr val="CBD5E1"/>
+                      </a:solidFill>
+                      <a:prstDash val="solid"/>
+                      <a:round/>
+                      <a:headEnd type="none" w="med" len="med"/>
+                      <a:tailEnd type="none" w="med" len="med"/>
+                    </a:lnL>
+                    <a:lnR w="12700" cap="flat" cmpd="sng" algn="ctr">
+                      <a:solidFill>
+                        <a:srgbClr val="CBD5E1"/>
+                      </a:solidFill>
+                      <a:prstDash val="solid"/>
+                      <a:round/>
+                      <a:headEnd type="none" w="med" len="med"/>
+                      <a:tailEnd type="none" w="med" len="med"/>
+                    </a:lnR>
+                    <a:lnT w="12700" cap="flat" cmpd="sng" algn="ctr">
+                      <a:solidFill>
+                        <a:srgbClr val="CBD5E1"/>
+                      </a:solidFill>
+                      <a:prstDash val="solid"/>
+                      <a:round/>
+                      <a:headEnd type="none" w="med" len="med"/>
+                      <a:tailEnd type="none" w="med" len="med"/>
+                    </a:lnT>
+                    <a:lnB w="12700" cap="flat" cmpd="sng" algn="ctr">
+                      <a:solidFill>
+                        <a:srgbClr val="CBD5E1"/>
+                      </a:solidFill>
+                      <a:prstDash val="solid"/>
+                      <a:round/>
+                      <a:headEnd type="none" w="med" len="med"/>
+                      <a:tailEnd type="none" w="med" len="med"/>
+                    </a:lnB>
+                    <a:solidFill>
+                      <a:srgbClr val="FFFFFF"/>
+                    </a:solidFill>
+                  </a:tcPr>
+                </a:tc>
+                <a:tc>
+                  <a:txBody>
+                    <a:bodyPr/>
+                    <a:lstStyle/>
+                    <a:p>
+                      <a:pPr algn="ctr" indent="0" marL="0">
+                        <a:buNone/>
+                      </a:pPr>
+                      <a:r>
+                        <a:rPr lang="en-US" sz="900" dirty="0">
+                          <a:solidFill>
+                            <a:srgbClr val="EF4444"/>
+                          </a:solidFill>
+                        </a:rPr>
+                        <a:t>×</a:t>
+                      </a:r>
+                      <a:endParaRPr lang="en-US" sz="900" dirty="0"/>
+                    </a:p>
+                  </a:txBody>
+                  <a:tcPr marL="91440" marR="91440" marT="45720" marB="45720" anchor="ctr">
+                    <a:lnL w="12700" cap="flat" cmpd="sng" algn="ctr">
+                      <a:solidFill>
+                        <a:srgbClr val="CBD5E1"/>
+                      </a:solidFill>
+                      <a:prstDash val="solid"/>
+                      <a:round/>
+                      <a:headEnd type="none" w="med" len="med"/>
+                      <a:tailEnd type="none" w="med" len="med"/>
+                    </a:lnL>
+                    <a:lnR w="12700" cap="flat" cmpd="sng" algn="ctr">
+                      <a:solidFill>
+                        <a:srgbClr val="CBD5E1"/>
+                      </a:solidFill>
+                      <a:prstDash val="solid"/>
+                      <a:round/>
+                      <a:headEnd type="none" w="med" len="med"/>
+                      <a:tailEnd type="none" w="med" len="med"/>
+                    </a:lnR>
+                    <a:lnT w="12700" cap="flat" cmpd="sng" algn="ctr">
+                      <a:solidFill>
+                        <a:srgbClr val="CBD5E1"/>
+                      </a:solidFill>
+                      <a:prstDash val="solid"/>
+                      <a:round/>
+                      <a:headEnd type="none" w="med" len="med"/>
+                      <a:tailEnd type="none" w="med" len="med"/>
+                    </a:lnT>
+                    <a:lnB w="12700" cap="flat" cmpd="sng" algn="ctr">
+                      <a:solidFill>
+                        <a:srgbClr val="CBD5E1"/>
+                      </a:solidFill>
+                      <a:prstDash val="solid"/>
+                      <a:round/>
+                      <a:headEnd type="none" w="med" len="med"/>
+                      <a:tailEnd type="none" w="med" len="med"/>
+                    </a:lnB>
+                    <a:solidFill>
+                      <a:srgbClr val="FFFFFF"/>
+                    </a:solidFill>
+                  </a:tcPr>
+                </a:tc>
+                <a:tc>
+                  <a:txBody>
+                    <a:bodyPr/>
+                    <a:lstStyle/>
+                    <a:p>
+                      <a:pPr algn="ctr" indent="0" marL="0">
+                        <a:buNone/>
+                      </a:pPr>
+                      <a:r>
+                        <a:rPr lang="en-US" sz="900" dirty="0">
+                          <a:solidFill>
+                            <a:srgbClr val="22C55E"/>
+                          </a:solidFill>
+                        </a:rPr>
+                        <a:t>✓</a:t>
+                      </a:r>
+                      <a:endParaRPr lang="en-US" sz="900" dirty="0"/>
+                    </a:p>
+                  </a:txBody>
+                  <a:tcPr marL="91440" marR="91440" marT="45720" marB="45720" anchor="ctr">
+                    <a:lnL w="12700" cap="flat" cmpd="sng" algn="ctr">
+                      <a:solidFill>
+                        <a:srgbClr val="CBD5E1"/>
+                      </a:solidFill>
+                      <a:prstDash val="solid"/>
+                      <a:round/>
+                      <a:headEnd type="none" w="med" len="med"/>
+                      <a:tailEnd type="none" w="med" len="med"/>
+                    </a:lnL>
+                    <a:lnR w="12700" cap="flat" cmpd="sng" algn="ctr">
+                      <a:solidFill>
+                        <a:srgbClr val="CBD5E1"/>
+                      </a:solidFill>
+                      <a:prstDash val="solid"/>
+                      <a:round/>
+                      <a:headEnd type="none" w="med" len="med"/>
+                      <a:tailEnd type="none" w="med" len="med"/>
+                    </a:lnR>
+                    <a:lnT w="12700" cap="flat" cmpd="sng" algn="ctr">
+                      <a:solidFill>
+                        <a:srgbClr val="CBD5E1"/>
+                      </a:solidFill>
+                      <a:prstDash val="solid"/>
+                      <a:round/>
+                      <a:headEnd type="none" w="med" len="med"/>
+                      <a:tailEnd type="none" w="med" len="med"/>
+                    </a:lnT>
+                    <a:lnB w="12700" cap="flat" cmpd="sng" algn="ctr">
+                      <a:solidFill>
+                        <a:srgbClr val="CBD5E1"/>
+                      </a:solidFill>
+                      <a:prstDash val="solid"/>
+                      <a:round/>
+                      <a:headEnd type="none" w="med" len="med"/>
+                      <a:tailEnd type="none" w="med" len="med"/>
+                    </a:lnB>
+                    <a:solidFill>
+                      <a:srgbClr val="FFFFFF"/>
+                    </a:solidFill>
+                  </a:tcPr>
+                </a:tc>
+              </a:tr>
+              <a:tr h="180023">
+                <a:tc>
+                  <a:txBody>
+                    <a:bodyPr/>
+                    <a:lstStyle/>
+                    <a:p>
+                      <a:pPr algn="ctr" indent="0" marL="0">
+                        <a:buNone/>
+                      </a:pPr>
+                      <a:r>
+                        <a:rPr lang="en-US" sz="700" dirty="0">
+                          <a:solidFill>
+                            <a:srgbClr val="334155"/>
+                          </a:solidFill>
+                        </a:rPr>
+                        <a:t>Cashback</a:t>
+                      </a:r>
+                      <a:endParaRPr lang="en-US" sz="700" dirty="0"/>
+                    </a:p>
+                  </a:txBody>
+                  <a:tcPr marL="91440" marR="91440" marT="45720" marB="45720" anchor="ctr">
+                    <a:lnL w="12700" cap="flat" cmpd="sng" algn="ctr">
+                      <a:solidFill>
+                        <a:srgbClr val="CBD5E1"/>
+                      </a:solidFill>
+                      <a:prstDash val="solid"/>
+                      <a:round/>
+                      <a:headEnd type="none" w="med" len="med"/>
+                      <a:tailEnd type="none" w="med" len="med"/>
+                    </a:lnL>
+                    <a:lnR w="12700" cap="flat" cmpd="sng" algn="ctr">
+                      <a:solidFill>
+                        <a:srgbClr val="CBD5E1"/>
+                      </a:solidFill>
+                      <a:prstDash val="solid"/>
+                      <a:round/>
+                      <a:headEnd type="none" w="med" len="med"/>
+                      <a:tailEnd type="none" w="med" len="med"/>
+                    </a:lnR>
+                    <a:lnT w="12700" cap="flat" cmpd="sng" algn="ctr">
+                      <a:solidFill>
+                        <a:srgbClr val="CBD5E1"/>
+                      </a:solidFill>
+                      <a:prstDash val="solid"/>
+                      <a:round/>
+                      <a:headEnd type="none" w="med" len="med"/>
+                      <a:tailEnd type="none" w="med" len="med"/>
+                    </a:lnT>
+                    <a:lnB w="12700" cap="flat" cmpd="sng" algn="ctr">
+                      <a:solidFill>
+                        <a:srgbClr val="CBD5E1"/>
+                      </a:solidFill>
+                      <a:prstDash val="solid"/>
+                      <a:round/>
+                      <a:headEnd type="none" w="med" len="med"/>
+                      <a:tailEnd type="none" w="med" len="med"/>
+                    </a:lnB>
+                    <a:solidFill>
+                      <a:srgbClr val="FFFFFF"/>
+                    </a:solidFill>
+                  </a:tcPr>
+                </a:tc>
+                <a:tc>
+                  <a:txBody>
+                    <a:bodyPr/>
+                    <a:lstStyle/>
+                    <a:p>
+                      <a:pPr algn="ctr" indent="0" marL="0">
+                        <a:buNone/>
+                      </a:pPr>
+                      <a:r>
+                        <a:rPr lang="en-US" sz="700" b="1" dirty="0">
+                          <a:solidFill>
+                            <a:srgbClr val="C9A227"/>
+                          </a:solidFill>
+                        </a:rPr>
+                        <a:t>10%</a:t>
+                      </a:r>
+                      <a:endParaRPr lang="en-US" sz="700" dirty="0"/>
+                    </a:p>
+                  </a:txBody>
+                  <a:tcPr marL="91440" marR="91440" marT="45720" marB="45720" anchor="ctr">
+                    <a:lnL w="12700" cap="flat" cmpd="sng" algn="ctr">
+                      <a:solidFill>
+                        <a:srgbClr val="CBD5E1"/>
+                      </a:solidFill>
+                      <a:prstDash val="solid"/>
+                      <a:round/>
+                      <a:headEnd type="none" w="med" len="med"/>
+                      <a:tailEnd type="none" w="med" len="med"/>
+                    </a:lnL>
+                    <a:lnR w="12700" cap="flat" cmpd="sng" algn="ctr">
+                      <a:solidFill>
+                        <a:srgbClr val="CBD5E1"/>
+                      </a:solidFill>
+                      <a:prstDash val="solid"/>
+                      <a:round/>
+                      <a:headEnd type="none" w="med" len="med"/>
+                      <a:tailEnd type="none" w="med" len="med"/>
+                    </a:lnR>
+                    <a:lnT w="12700" cap="flat" cmpd="sng" algn="ctr">
+                      <a:solidFill>
+                        <a:srgbClr val="CBD5E1"/>
+                      </a:solidFill>
+                      <a:prstDash val="solid"/>
+                      <a:round/>
+                      <a:headEnd type="none" w="med" len="med"/>
+                      <a:tailEnd type="none" w="med" len="med"/>
+                    </a:lnT>
+                    <a:lnB w="12700" cap="flat" cmpd="sng" algn="ctr">
+                      <a:solidFill>
+                        <a:srgbClr val="CBD5E1"/>
+                      </a:solidFill>
+                      <a:prstDash val="solid"/>
+                      <a:round/>
+                      <a:headEnd type="none" w="med" len="med"/>
+                      <a:tailEnd type="none" w="med" len="med"/>
+                    </a:lnB>
+                    <a:solidFill>
+                      <a:srgbClr val="FFFFFF"/>
+                    </a:solidFill>
+                  </a:tcPr>
+                </a:tc>
+                <a:tc>
+                  <a:txBody>
+                    <a:bodyPr/>
+                    <a:lstStyle/>
+                    <a:p>
+                      <a:pPr algn="ctr" indent="0" marL="0">
+                        <a:buNone/>
+                      </a:pPr>
+                      <a:r>
+                        <a:rPr lang="en-US" sz="700" dirty="0">
+                          <a:solidFill>
+                            <a:srgbClr val="64748B"/>
+                          </a:solidFill>
+                        </a:rPr>
+                        <a:t>2%</a:t>
+                      </a:r>
+                      <a:endParaRPr lang="en-US" sz="700" dirty="0"/>
+                    </a:p>
+                  </a:txBody>
+                  <a:tcPr marL="91440" marR="91440" marT="45720" marB="45720" anchor="ctr">
+                    <a:lnL w="12700" cap="flat" cmpd="sng" algn="ctr">
+                      <a:solidFill>
+                        <a:srgbClr val="CBD5E1"/>
+                      </a:solidFill>
+                      <a:prstDash val="solid"/>
+                      <a:round/>
+                      <a:headEnd type="none" w="med" len="med"/>
+                      <a:tailEnd type="none" w="med" len="med"/>
+                    </a:lnL>
+                    <a:lnR w="12700" cap="flat" cmpd="sng" algn="ctr">
+                      <a:solidFill>
+                        <a:srgbClr val="CBD5E1"/>
+                      </a:solidFill>
+                      <a:prstDash val="solid"/>
+                      <a:round/>
+                      <a:headEnd type="none" w="med" len="med"/>
+                      <a:tailEnd type="none" w="med" len="med"/>
+                    </a:lnR>
+                    <a:lnT w="12700" cap="flat" cmpd="sng" algn="ctr">
+                      <a:solidFill>
+                        <a:srgbClr val="CBD5E1"/>
+                      </a:solidFill>
+                      <a:prstDash val="solid"/>
+                      <a:round/>
+                      <a:headEnd type="none" w="med" len="med"/>
+                      <a:tailEnd type="none" w="med" len="med"/>
+                    </a:lnT>
+                    <a:lnB w="12700" cap="flat" cmpd="sng" algn="ctr">
+                      <a:solidFill>
+                        <a:srgbClr val="CBD5E1"/>
+                      </a:solidFill>
+                      <a:prstDash val="solid"/>
+                      <a:round/>
+                      <a:headEnd type="none" w="med" len="med"/>
+                      <a:tailEnd type="none" w="med" len="med"/>
+                    </a:lnB>
+                    <a:solidFill>
+                      <a:srgbClr val="FFFFFF"/>
+                    </a:solidFill>
+                  </a:tcPr>
+                </a:tc>
+                <a:tc>
+                  <a:txBody>
+                    <a:bodyPr/>
+                    <a:lstStyle/>
+                    <a:p>
+                      <a:pPr algn="ctr" indent="0" marL="0">
+                        <a:buNone/>
+                      </a:pPr>
+                      <a:r>
+                        <a:rPr lang="en-US" sz="700" dirty="0">
+                          <a:solidFill>
+                            <a:srgbClr val="64748B"/>
+                          </a:solidFill>
+                        </a:rPr>
+                        <a:t>Points</a:t>
+                      </a:r>
+                      <a:endParaRPr lang="en-US" sz="700" dirty="0"/>
+                    </a:p>
+                  </a:txBody>
+                  <a:tcPr marL="91440" marR="91440" marT="45720" marB="45720" anchor="ctr">
+                    <a:lnL w="12700" cap="flat" cmpd="sng" algn="ctr">
+                      <a:solidFill>
+                        <a:srgbClr val="CBD5E1"/>
+                      </a:solidFill>
+                      <a:prstDash val="solid"/>
+                      <a:round/>
+                      <a:headEnd type="none" w="med" len="med"/>
+                      <a:tailEnd type="none" w="med" len="med"/>
+                    </a:lnL>
+                    <a:lnR w="12700" cap="flat" cmpd="sng" algn="ctr">
+                      <a:solidFill>
+                        <a:srgbClr val="CBD5E1"/>
+                      </a:solidFill>
+                      <a:prstDash val="solid"/>
+                      <a:round/>
+                      <a:headEnd type="none" w="med" len="med"/>
+                      <a:tailEnd type="none" w="med" len="med"/>
+                    </a:lnR>
+                    <a:lnT w="12700" cap="flat" cmpd="sng" algn="ctr">
+                      <a:solidFill>
+                        <a:srgbClr val="CBD5E1"/>
+                      </a:solidFill>
+                      <a:prstDash val="solid"/>
+                      <a:round/>
+                      <a:headEnd type="none" w="med" len="med"/>
+                      <a:tailEnd type="none" w="med" len="med"/>
+                    </a:lnT>
+                    <a:lnB w="12700" cap="flat" cmpd="sng" algn="ctr">
+                      <a:solidFill>
+                        <a:srgbClr val="CBD5E1"/>
+                      </a:solidFill>
+                      <a:prstDash val="solid"/>
+                      <a:round/>
+                      <a:headEnd type="none" w="med" len="med"/>
+                      <a:tailEnd type="none" w="med" len="med"/>
+                    </a:lnB>
+                    <a:solidFill>
+                      <a:srgbClr val="FFFFFF"/>
+                    </a:solidFill>
+                  </a:tcPr>
+                </a:tc>
+              </a:tr>
+            </a:tbl>
+          </a:graphicData>
+        </a:graphic>
+      </p:graphicFrame>
+      <p:sp>
+        <p:nvSpPr>
+          <p:cNvPr id="14" name="Text 11"/>
+          <p:cNvSpPr/>
+          <p:nvPr/>
+        </p:nvSpPr>
+        <p:spPr>
+          <a:xfrm>
+            <a:off x="731520" y="3857625"/>
+            <a:ext cx="7680960" cy="154305"/>
+          </a:xfrm>
+          <a:prstGeom prst="rect">
+            <a:avLst/>
+          </a:prstGeom>
+          <a:noFill/>
+          <a:ln/>
+        </p:spPr>
+        <p:txBody>
+          <a:bodyPr wrap="square" rtlCol="0" anchor="ctr"/>
+          <a:lstStyle/>
+          <a:p>
+            <a:pPr algn="l" indent="0" marL="0">
+              <a:buNone/>
+            </a:pPr>
+            <a:r>
+              <a:rPr lang="en-US" sz="900" b="1" dirty="0">
+                <a:solidFill>
+                  <a:srgbClr val="0A1628"/>
+                </a:solidFill>
+              </a:rPr>
+              <a:t>Use of Funds</a:t>
+            </a:r>
+            <a:endParaRPr lang="en-US" sz="900" dirty="0"/>
+          </a:p>
+        </p:txBody>
+      </p:sp>
+      <p:sp>
+        <p:nvSpPr>
+          <p:cNvPr id="15" name="Text 12"/>
+          <p:cNvSpPr/>
+          <p:nvPr/>
+        </p:nvSpPr>
+        <p:spPr>
+          <a:xfrm>
+            <a:off x="731520" y="4063365"/>
+            <a:ext cx="7680960" cy="128588"/>
+          </a:xfrm>
+          <a:prstGeom prst="rect">
+            <a:avLst/>
+          </a:prstGeom>
+          <a:noFill/>
+          <a:ln/>
+        </p:spPr>
+        <p:txBody>
+          <a:bodyPr wrap="square" rtlCol="0" anchor="ctr"/>
+          <a:lstStyle/>
+          <a:p>
+            <a:pPr algn="l" indent="0" marL="0">
+              <a:buNone/>
+            </a:pPr>
+            <a:r>
+              <a:rPr lang="en-US" sz="800" b="1" dirty="0">
                 <a:solidFill>
                   <a:srgbClr val="3B82F6"/>
                 </a:solidFill>
               </a:rPr>
-              <a:t>$85B</a:t>
-            </a:r>
-            <a:endParaRPr lang="en-US" sz="1000" dirty="0"/>
-          </a:p>
-        </p:txBody>
-      </p:sp>
-      <p:sp>
-        <p:nvSpPr>
-          <p:cNvPr id="6" name="Text 4"/>
-          <p:cNvSpPr/>
-          <p:nvPr/>
-        </p:nvSpPr>
-        <p:spPr>
-          <a:xfrm>
-            <a:off x="1828800" y="2263140"/>
-            <a:ext cx="5486400" cy="257175"/>
-          </a:xfrm>
-          <a:prstGeom prst="rect">
-            <a:avLst/>
-          </a:prstGeom>
-          <a:noFill/>
-          <a:ln/>
-        </p:spPr>
-        <p:txBody>
-          <a:bodyPr wrap="square" rtlCol="0" anchor="ctr"/>
-          <a:lstStyle/>
-          <a:p>
-            <a:pPr algn="ctr" indent="0" marL="0">
-              <a:buNone/>
-            </a:pPr>
-            <a:r>
-              <a:rPr lang="en-US" sz="1000" dirty="0">
-                <a:solidFill>
-                  <a:srgbClr val="475569"/>
-                </a:solidFill>
-              </a:rPr>
-              <a:t>SOM (Y1-3): </a:t>
-            </a:r>
-            <a:pPr algn="ctr" indent="0" marL="0">
-              <a:buNone/>
-            </a:pPr>
-            <a:r>
-              <a:rPr lang="en-US" sz="1600" b="1" dirty="0">
-                <a:solidFill>
-                  <a:srgbClr val="3B82F6"/>
-                </a:solidFill>
-              </a:rPr>
-              <a:t>$8.5B</a:t>
-            </a:r>
-            <a:endParaRPr lang="en-US" sz="1000" dirty="0"/>
-          </a:p>
-        </p:txBody>
-      </p:sp>
-      <p:sp>
-        <p:nvSpPr>
-          <p:cNvPr id="7" name="Text 5"/>
-          <p:cNvSpPr/>
-          <p:nvPr/>
-        </p:nvSpPr>
-        <p:spPr>
-          <a:xfrm>
-            <a:off x="1371600" y="2880360"/>
-            <a:ext cx="6400800" cy="257175"/>
-          </a:xfrm>
-          <a:prstGeom prst="rect">
-            <a:avLst/>
-          </a:prstGeom>
-          <a:noFill/>
-          <a:ln/>
-        </p:spPr>
-        <p:txBody>
-          <a:bodyPr wrap="square" rtlCol="0" anchor="ctr"/>
-          <a:lstStyle/>
-          <a:p>
-            <a:pPr algn="ctr" indent="0" marL="0">
-              <a:buNone/>
-            </a:pPr>
-            <a:r>
-              <a:rPr lang="en-US" sz="1200" b="1" dirty="0">
-                <a:solidFill>
-                  <a:srgbClr val="0A1628"/>
-                </a:solidFill>
-              </a:rPr>
-              <a:t>GTM: Dubai → UAE → GCC</a:t>
-            </a:r>
-            <a:endParaRPr lang="en-US" sz="1200" dirty="0"/>
-          </a:p>
-        </p:txBody>
-      </p:sp>
-      <p:sp>
-        <p:nvSpPr>
-          <p:cNvPr id="8" name="Text 6"/>
-          <p:cNvSpPr/>
-          <p:nvPr/>
-        </p:nvSpPr>
-        <p:spPr>
-          <a:xfrm>
-            <a:off x="1371600" y="3291840"/>
-            <a:ext cx="6400800" cy="257175"/>
-          </a:xfrm>
-          <a:prstGeom prst="rect">
-            <a:avLst/>
-          </a:prstGeom>
-          <a:noFill/>
-          <a:ln/>
-        </p:spPr>
-        <p:txBody>
-          <a:bodyPr wrap="square" rtlCol="0" anchor="ctr"/>
-          <a:lstStyle/>
-          <a:p>
-            <a:pPr algn="ctr" indent="0" marL="0">
-              <a:buNone/>
-            </a:pPr>
-            <a:r>
-              <a:rPr lang="en-US" sz="1100" b="1" dirty="0">
-                <a:solidFill>
-                  <a:srgbClr val="22C55E"/>
-                </a:solidFill>
-              </a:rPr>
-              <a:t>No Direct Competitor in GCC</a:t>
-            </a:r>
-            <a:endParaRPr lang="en-US" sz="1100" dirty="0"/>
-          </a:p>
-        </p:txBody>
-      </p:sp>
-      <p:sp>
-        <p:nvSpPr>
-          <p:cNvPr id="9" name="Shape 7"/>
-          <p:cNvSpPr/>
-          <p:nvPr/>
-        </p:nvSpPr>
-        <p:spPr>
-          <a:xfrm>
-            <a:off x="914400" y="3754755"/>
-            <a:ext cx="7315200" cy="1028700"/>
+              <a:t>40% </a:t>
+            </a:r>
+            <a:pPr algn="l" indent="0" marL="0">
+              <a:buNone/>
+            </a:pPr>
+            <a:r>
+              <a:rPr lang="en-US" sz="700" dirty="0">
+                <a:solidFill>
+                  <a:srgbClr val="334155"/>
+                </a:solidFill>
+              </a:rPr>
+              <a:t>Product &amp; Tech </a:t>
+            </a:r>
+            <a:pPr algn="l" indent="0" marL="0">
+              <a:buNone/>
+            </a:pPr>
+            <a:r>
+              <a:rPr lang="en-US" sz="600" dirty="0">
+                <a:solidFill>
+                  <a:srgbClr val="64748B"/>
+                </a:solidFill>
+              </a:rPr>
+              <a:t>($200K)</a:t>
+            </a:r>
+            <a:endParaRPr lang="en-US" sz="800" dirty="0"/>
+          </a:p>
+        </p:txBody>
+      </p:sp>
+      <p:sp>
+        <p:nvSpPr>
+          <p:cNvPr id="16" name="Text 13"/>
+          <p:cNvSpPr/>
+          <p:nvPr/>
+        </p:nvSpPr>
+        <p:spPr>
+          <a:xfrm>
+            <a:off x="731520" y="4217670"/>
+            <a:ext cx="7680960" cy="128588"/>
+          </a:xfrm>
+          <a:prstGeom prst="rect">
+            <a:avLst/>
+          </a:prstGeom>
+          <a:noFill/>
+          <a:ln/>
+        </p:spPr>
+        <p:txBody>
+          <a:bodyPr wrap="square" rtlCol="0" anchor="ctr"/>
+          <a:lstStyle/>
+          <a:p>
+            <a:pPr algn="l" indent="0" marL="0">
+              <a:buNone/>
+            </a:pPr>
+            <a:r>
+              <a:rPr lang="en-US" sz="800" b="1" dirty="0">
+                <a:solidFill>
+                  <a:srgbClr val="10B981"/>
+                </a:solidFill>
+              </a:rPr>
+              <a:t>35% </a:t>
+            </a:r>
+            <a:pPr algn="l" indent="0" marL="0">
+              <a:buNone/>
+            </a:pPr>
+            <a:r>
+              <a:rPr lang="en-US" sz="700" dirty="0">
+                <a:solidFill>
+                  <a:srgbClr val="334155"/>
+                </a:solidFill>
+              </a:rPr>
+              <a:t>Marketing &amp; Growth </a:t>
+            </a:r>
+            <a:pPr algn="l" indent="0" marL="0">
+              <a:buNone/>
+            </a:pPr>
+            <a:r>
+              <a:rPr lang="en-US" sz="600" dirty="0">
+                <a:solidFill>
+                  <a:srgbClr val="64748B"/>
+                </a:solidFill>
+              </a:rPr>
+              <a:t>($175K)</a:t>
+            </a:r>
+            <a:endParaRPr lang="en-US" sz="800" dirty="0"/>
+          </a:p>
+        </p:txBody>
+      </p:sp>
+      <p:sp>
+        <p:nvSpPr>
+          <p:cNvPr id="17" name="Text 14"/>
+          <p:cNvSpPr/>
+          <p:nvPr/>
+        </p:nvSpPr>
+        <p:spPr>
+          <a:xfrm>
+            <a:off x="731520" y="4371975"/>
+            <a:ext cx="7680960" cy="128588"/>
+          </a:xfrm>
+          <a:prstGeom prst="rect">
+            <a:avLst/>
+          </a:prstGeom>
+          <a:noFill/>
+          <a:ln/>
+        </p:spPr>
+        <p:txBody>
+          <a:bodyPr wrap="square" rtlCol="0" anchor="ctr"/>
+          <a:lstStyle/>
+          <a:p>
+            <a:pPr algn="l" indent="0" marL="0">
+              <a:buNone/>
+            </a:pPr>
+            <a:r>
+              <a:rPr lang="en-US" sz="800" b="1" dirty="0">
+                <a:solidFill>
+                  <a:srgbClr val="A855F7"/>
+                </a:solidFill>
+              </a:rPr>
+              <a:t>25% </a:t>
+            </a:r>
+            <a:pPr algn="l" indent="0" marL="0">
+              <a:buNone/>
+            </a:pPr>
+            <a:r>
+              <a:rPr lang="en-US" sz="700" dirty="0">
+                <a:solidFill>
+                  <a:srgbClr val="334155"/>
+                </a:solidFill>
+              </a:rPr>
+              <a:t>Operations &amp; Legal </a:t>
+            </a:r>
+            <a:pPr algn="l" indent="0" marL="0">
+              <a:buNone/>
+            </a:pPr>
+            <a:r>
+              <a:rPr lang="en-US" sz="600" dirty="0">
+                <a:solidFill>
+                  <a:srgbClr val="64748B"/>
+                </a:solidFill>
+              </a:rPr>
+              <a:t>($125K)</a:t>
+            </a:r>
+            <a:endParaRPr lang="en-US" sz="800" dirty="0"/>
+          </a:p>
+        </p:txBody>
+      </p:sp>
+      <p:sp>
+        <p:nvSpPr>
+          <p:cNvPr id="18" name="Shape 15"/>
+          <p:cNvSpPr/>
+          <p:nvPr/>
+        </p:nvSpPr>
+        <p:spPr>
+          <a:xfrm>
+            <a:off x="731520" y="4629150"/>
+            <a:ext cx="7680960" cy="411480"/>
           </a:xfrm>
           <a:prstGeom prst="rect">
             <a:avLst/>
@@ -2424,7 +4416,7 @@
           <a:solidFill>
             <a:srgbClr val="0A1628"/>
           </a:solidFill>
-          <a:ln w="38100">
+          <a:ln w="25400">
             <a:solidFill>
               <a:srgbClr val="C9A227"/>
             </a:solidFill>
@@ -2434,14 +4426,14 @@
       </p:sp>
       <p:sp>
         <p:nvSpPr>
-          <p:cNvPr id="10" name="Text 8"/>
-          <p:cNvSpPr/>
-          <p:nvPr/>
-        </p:nvSpPr>
-        <p:spPr>
-          <a:xfrm>
-            <a:off x="914400" y="3857625"/>
-            <a:ext cx="7315200" cy="205740"/>
+          <p:cNvPr id="19" name="Text 16"/>
+          <p:cNvSpPr/>
+          <p:nvPr/>
+        </p:nvSpPr>
+        <p:spPr>
+          <a:xfrm>
+            <a:off x="731520" y="4680585"/>
+            <a:ext cx="7680960" cy="308610"/>
           </a:xfrm>
           <a:prstGeom prst="rect">
             <a:avLst/>
@@ -2457,86 +4449,36 @@
               <a:buNone/>
             </a:pPr>
             <a:r>
-              <a:rPr lang="en-US" sz="1000" b="1" dirty="0">
+              <a:rPr lang="en-US" sz="800" b="1" dirty="0">
                 <a:solidFill>
                   <a:srgbClr val="C9A227"/>
                 </a:solidFill>
               </a:rPr>
-              <a:t>THE ASK</a:t>
-            </a:r>
-            <a:endParaRPr lang="en-US" sz="1000" dirty="0"/>
-          </a:p>
-        </p:txBody>
-      </p:sp>
-      <p:sp>
-        <p:nvSpPr>
-          <p:cNvPr id="11" name="Text 9"/>
-          <p:cNvSpPr/>
-          <p:nvPr/>
-        </p:nvSpPr>
-        <p:spPr>
-          <a:xfrm>
-            <a:off x="914400" y="4063365"/>
-            <a:ext cx="7315200" cy="308610"/>
-          </a:xfrm>
-          <a:prstGeom prst="rect">
-            <a:avLst/>
-          </a:prstGeom>
-          <a:noFill/>
-          <a:ln/>
-        </p:spPr>
-        <p:txBody>
-          <a:bodyPr wrap="square" rtlCol="0" anchor="ctr"/>
-          <a:lstStyle/>
-          <a:p>
+              <a:t>THE ASK: </a:t>
+            </a:r>
             <a:pPr algn="ctr" indent="0" marL="0">
               <a:buNone/>
             </a:pPr>
             <a:r>
-              <a:rPr lang="en-US" sz="2000" b="1" dirty="0">
+              <a:rPr lang="en-US" sz="1200" b="1" dirty="0">
                 <a:solidFill>
                   <a:srgbClr val="FFFFFF"/>
                 </a:solidFill>
               </a:rPr>
-              <a:t>$500K Pre-Seed</a:t>
-            </a:r>
-            <a:endParaRPr lang="en-US" sz="2000" dirty="0"/>
-          </a:p>
-        </p:txBody>
-      </p:sp>
-      <p:sp>
-        <p:nvSpPr>
-          <p:cNvPr id="12" name="Text 10"/>
-          <p:cNvSpPr/>
-          <p:nvPr/>
-        </p:nvSpPr>
-        <p:spPr>
-          <a:xfrm>
-            <a:off x="914400" y="4423410"/>
-            <a:ext cx="7315200" cy="205740"/>
-          </a:xfrm>
-          <a:prstGeom prst="rect">
-            <a:avLst/>
-          </a:prstGeom>
-          <a:noFill/>
-          <a:ln/>
-        </p:spPr>
-        <p:txBody>
-          <a:bodyPr wrap="square" rtlCol="0" anchor="ctr"/>
-          <a:lstStyle/>
-          <a:p>
+              <a:t>$500K Pre-Seed </a:t>
+            </a:r>
             <a:pPr algn="ctr" indent="0" marL="0">
               <a:buNone/>
             </a:pPr>
             <a:r>
-              <a:rPr lang="en-US" sz="900" dirty="0">
+              <a:rPr lang="en-US" sz="700" dirty="0">
                 <a:solidFill>
                   <a:srgbClr val="CBD5E1"/>
                 </a:solidFill>
               </a:rPr>
-              <a:t>SAFE • $6M Cap • 20% Discount</a:t>
-            </a:r>
-            <a:endParaRPr lang="en-US" sz="900" dirty="0"/>
+              <a:t>• SAFE • $6M Cap • 20% Discount</a:t>
+            </a:r>
+            <a:endParaRPr lang="en-US" sz="800" dirty="0"/>
           </a:p>
         </p:txBody>
       </p:sp>
@@ -2904,8 +4846,8 @@
         </p:nvSpPr>
         <p:spPr>
           <a:xfrm>
-            <a:off x="1828800" y="411480"/>
-            <a:ext cx="5486400" cy="308610"/>
+            <a:off x="457200" y="205740"/>
+            <a:ext cx="8229600" cy="257175"/>
           </a:xfrm>
           <a:prstGeom prst="rect">
             <a:avLst/>
@@ -2923,14 +4865,14 @@
               <a:buNone/>
             </a:pPr>
             <a:r>
-              <a:rPr lang="en-US" sz="1200" b="1" dirty="0">
+              <a:rPr lang="en-US" sz="1100" b="1" dirty="0">
                 <a:solidFill>
                   <a:srgbClr val="FFFFFF"/>
                 </a:solidFill>
               </a:rPr>
               <a:t>THE SOLUTION</a:t>
             </a:r>
-            <a:endParaRPr lang="en-US" sz="1200" dirty="0"/>
+            <a:endParaRPr lang="en-US" sz="1100" dirty="0"/>
           </a:p>
         </p:txBody>
       </p:sp>
@@ -2942,8 +4884,8 @@
         </p:nvSpPr>
         <p:spPr>
           <a:xfrm>
-            <a:off x="914400" y="925830"/>
-            <a:ext cx="7315200" cy="360045"/>
+            <a:off x="457200" y="565785"/>
+            <a:ext cx="8229600" cy="257175"/>
           </a:xfrm>
           <a:prstGeom prst="rect">
             <a:avLst/>
@@ -2959,14 +4901,14 @@
               <a:buNone/>
             </a:pPr>
             <a:r>
-              <a:rPr lang="en-US" sz="2400" b="1" dirty="0">
+              <a:rPr lang="en-US" sz="1800" b="1" dirty="0">
                 <a:solidFill>
                   <a:srgbClr val="22C55E"/>
                 </a:solidFill>
               </a:rPr>
               <a:t>10% Instant Cashback</a:t>
             </a:r>
-            <a:endParaRPr lang="en-US" sz="2400" dirty="0"/>
+            <a:endParaRPr lang="en-US" sz="1800" dirty="0"/>
           </a:p>
         </p:txBody>
       </p:sp>
@@ -2978,149 +4920,572 @@
         </p:nvSpPr>
         <p:spPr>
           <a:xfrm>
-            <a:off x="1371600" y="1645920"/>
-            <a:ext cx="6400800" cy="308610"/>
-          </a:xfrm>
-          <a:prstGeom prst="rect">
-            <a:avLst/>
-          </a:prstGeom>
-          <a:noFill/>
-          <a:ln/>
-        </p:spPr>
-        <p:txBody>
-          <a:bodyPr wrap="square" rtlCol="0" anchor="ctr"/>
-          <a:lstStyle/>
-          <a:p>
-            <a:pPr algn="l" indent="0" marL="0">
-              <a:buNone/>
-            </a:pPr>
-            <a:r>
-              <a:rPr lang="en-US" sz="1400" b="1" dirty="0">
+            <a:off x="457200" y="822960"/>
+            <a:ext cx="8229600" cy="154305"/>
+          </a:xfrm>
+          <a:prstGeom prst="rect">
+            <a:avLst/>
+          </a:prstGeom>
+          <a:noFill/>
+          <a:ln/>
+        </p:spPr>
+        <p:txBody>
+          <a:bodyPr wrap="square" rtlCol="0" anchor="ctr"/>
+          <a:lstStyle/>
+          <a:p>
+            <a:pPr algn="ctr" indent="0" marL="0">
+              <a:buNone/>
+            </a:pPr>
+            <a:r>
+              <a:rPr lang="en-US" sz="800" dirty="0">
+                <a:solidFill>
+                  <a:srgbClr val="475569"/>
+                </a:solidFill>
+              </a:rPr>
+              <a:t>5× more than credit cards, no credit check</a:t>
+            </a:r>
+            <a:endParaRPr lang="en-US" sz="800" dirty="0"/>
+          </a:p>
+        </p:txBody>
+      </p:sp>
+      <p:sp>
+        <p:nvSpPr>
+          <p:cNvPr id="5" name="Text 3"/>
+          <p:cNvSpPr/>
+          <p:nvPr/>
+        </p:nvSpPr>
+        <p:spPr>
+          <a:xfrm>
+            <a:off x="731520" y="1080135"/>
+            <a:ext cx="7680960" cy="205740"/>
+          </a:xfrm>
+          <a:prstGeom prst="rect">
+            <a:avLst/>
+          </a:prstGeom>
+          <a:noFill/>
+          <a:ln/>
+        </p:spPr>
+        <p:txBody>
+          <a:bodyPr wrap="square" rtlCol="0" anchor="ctr"/>
+          <a:lstStyle/>
+          <a:p>
+            <a:pPr algn="l" indent="0" marL="0">
+              <a:buNone/>
+            </a:pPr>
+            <a:r>
+              <a:rPr lang="en-US" sz="1000" b="1" dirty="0">
+                <a:solidFill>
+                  <a:srgbClr val="0A1628"/>
+                </a:solidFill>
+              </a:rPr>
+              <a:t>3-Step User Journey</a:t>
+            </a:r>
+            <a:endParaRPr lang="en-US" sz="1000" dirty="0"/>
+          </a:p>
+        </p:txBody>
+      </p:sp>
+      <p:sp>
+        <p:nvSpPr>
+          <p:cNvPr id="6" name="Shape 4"/>
+          <p:cNvSpPr/>
+          <p:nvPr/>
+        </p:nvSpPr>
+        <p:spPr>
+          <a:xfrm>
+            <a:off x="914400" y="1337310"/>
+            <a:ext cx="7315200" cy="308610"/>
+          </a:xfrm>
+          <a:prstGeom prst="rect">
+            <a:avLst/>
+          </a:prstGeom>
+          <a:solidFill>
+            <a:srgbClr val="FFFFFF"/>
+          </a:solidFill>
+          <a:ln w="12700">
+            <a:solidFill>
+              <a:srgbClr val="22C55E"/>
+            </a:solidFill>
+            <a:prstDash val="solid"/>
+          </a:ln>
+        </p:spPr>
+      </p:sp>
+      <p:sp>
+        <p:nvSpPr>
+          <p:cNvPr id="7" name="Text 5"/>
+          <p:cNvSpPr/>
+          <p:nvPr/>
+        </p:nvSpPr>
+        <p:spPr>
+          <a:xfrm>
+            <a:off x="1097280" y="1388745"/>
+            <a:ext cx="6949440" cy="205740"/>
+          </a:xfrm>
+          <a:prstGeom prst="rect">
+            <a:avLst/>
+          </a:prstGeom>
+          <a:noFill/>
+          <a:ln/>
+        </p:spPr>
+        <p:txBody>
+          <a:bodyPr wrap="square" rtlCol="0" anchor="ctr"/>
+          <a:lstStyle/>
+          <a:p>
+            <a:pPr algn="l" indent="0" marL="0">
+              <a:buNone/>
+            </a:pPr>
+            <a:r>
+              <a:rPr lang="en-US" sz="900" b="1" dirty="0">
                 <a:solidFill>
                   <a:srgbClr val="C9A227"/>
                 </a:solidFill>
               </a:rPr>
-              <a:t>1. </a:t>
-            </a:r>
-            <a:pPr algn="l" indent="0" marL="0">
-              <a:buNone/>
-            </a:pPr>
-            <a:r>
-              <a:rPr lang="en-US" sz="1100" dirty="0">
+              <a:t>1. Search: </a:t>
+            </a:r>
+            <a:pPr algn="l" indent="0" marL="0">
+              <a:buNone/>
+            </a:pPr>
+            <a:r>
+              <a:rPr lang="en-US" sz="800" dirty="0">
                 <a:solidFill>
                   <a:srgbClr val="334155"/>
                 </a:solidFill>
               </a:rPr>
-              <a:t>Search: Compare prices across stores</a:t>
-            </a:r>
-            <a:endParaRPr lang="en-US" sz="1400" dirty="0"/>
-          </a:p>
-        </p:txBody>
-      </p:sp>
-      <p:sp>
-        <p:nvSpPr>
-          <p:cNvPr id="5" name="Text 3"/>
-          <p:cNvSpPr/>
-          <p:nvPr/>
-        </p:nvSpPr>
-        <p:spPr>
-          <a:xfrm>
-            <a:off x="1371600" y="2108835"/>
-            <a:ext cx="6400800" cy="308610"/>
-          </a:xfrm>
-          <a:prstGeom prst="rect">
-            <a:avLst/>
-          </a:prstGeom>
-          <a:noFill/>
-          <a:ln/>
-        </p:spPr>
-        <p:txBody>
-          <a:bodyPr wrap="square" rtlCol="0" anchor="ctr"/>
-          <a:lstStyle/>
-          <a:p>
-            <a:pPr algn="l" indent="0" marL="0">
-              <a:buNone/>
-            </a:pPr>
-            <a:r>
-              <a:rPr lang="en-US" sz="1400" b="1" dirty="0">
+              <a:t>Compare prices across stores nearby</a:t>
+            </a:r>
+            <a:endParaRPr lang="en-US" sz="900" dirty="0"/>
+          </a:p>
+        </p:txBody>
+      </p:sp>
+      <p:sp>
+        <p:nvSpPr>
+          <p:cNvPr id="8" name="Shape 6"/>
+          <p:cNvSpPr/>
+          <p:nvPr/>
+        </p:nvSpPr>
+        <p:spPr>
+          <a:xfrm>
+            <a:off x="914400" y="1697355"/>
+            <a:ext cx="7315200" cy="308610"/>
+          </a:xfrm>
+          <a:prstGeom prst="rect">
+            <a:avLst/>
+          </a:prstGeom>
+          <a:solidFill>
+            <a:srgbClr val="FFFFFF"/>
+          </a:solidFill>
+          <a:ln w="12700">
+            <a:solidFill>
+              <a:srgbClr val="22C55E"/>
+            </a:solidFill>
+            <a:prstDash val="solid"/>
+          </a:ln>
+        </p:spPr>
+      </p:sp>
+      <p:sp>
+        <p:nvSpPr>
+          <p:cNvPr id="9" name="Text 7"/>
+          <p:cNvSpPr/>
+          <p:nvPr/>
+        </p:nvSpPr>
+        <p:spPr>
+          <a:xfrm>
+            <a:off x="1097280" y="1748790"/>
+            <a:ext cx="6949440" cy="205740"/>
+          </a:xfrm>
+          <a:prstGeom prst="rect">
+            <a:avLst/>
+          </a:prstGeom>
+          <a:noFill/>
+          <a:ln/>
+        </p:spPr>
+        <p:txBody>
+          <a:bodyPr wrap="square" rtlCol="0" anchor="ctr"/>
+          <a:lstStyle/>
+          <a:p>
+            <a:pPr algn="l" indent="0" marL="0">
+              <a:buNone/>
+            </a:pPr>
+            <a:r>
+              <a:rPr lang="en-US" sz="900" b="1" dirty="0">
                 <a:solidFill>
                   <a:srgbClr val="C9A227"/>
                 </a:solidFill>
               </a:rPr>
-              <a:t>2. </a:t>
-            </a:r>
-            <a:pPr algn="l" indent="0" marL="0">
-              <a:buNone/>
-            </a:pPr>
-            <a:r>
-              <a:rPr lang="en-US" sz="1100" dirty="0">
+              <a:t>2. Shop: </a:t>
+            </a:r>
+            <a:pPr algn="l" indent="0" marL="0">
+              <a:buNone/>
+            </a:pPr>
+            <a:r>
+              <a:rPr lang="en-US" sz="800" dirty="0">
                 <a:solidFill>
                   <a:srgbClr val="334155"/>
                 </a:solidFill>
               </a:rPr>
-              <a:t>Shop: Buy offline, show QR at checkout</a:t>
-            </a:r>
-            <a:endParaRPr lang="en-US" sz="1400" dirty="0"/>
-          </a:p>
-        </p:txBody>
-      </p:sp>
-      <p:sp>
-        <p:nvSpPr>
-          <p:cNvPr id="6" name="Text 4"/>
-          <p:cNvSpPr/>
-          <p:nvPr/>
-        </p:nvSpPr>
-        <p:spPr>
-          <a:xfrm>
-            <a:off x="1371600" y="2571750"/>
-            <a:ext cx="6400800" cy="308610"/>
-          </a:xfrm>
-          <a:prstGeom prst="rect">
-            <a:avLst/>
-          </a:prstGeom>
-          <a:noFill/>
-          <a:ln/>
-        </p:spPr>
-        <p:txBody>
-          <a:bodyPr wrap="square" rtlCol="0" anchor="ctr"/>
-          <a:lstStyle/>
-          <a:p>
-            <a:pPr algn="l" indent="0" marL="0">
-              <a:buNone/>
-            </a:pPr>
-            <a:r>
-              <a:rPr lang="en-US" sz="1400" b="1" dirty="0">
+              <a:t>Buy offline, show QR at checkout</a:t>
+            </a:r>
+            <a:endParaRPr lang="en-US" sz="900" dirty="0"/>
+          </a:p>
+        </p:txBody>
+      </p:sp>
+      <p:sp>
+        <p:nvSpPr>
+          <p:cNvPr id="10" name="Shape 8"/>
+          <p:cNvSpPr/>
+          <p:nvPr/>
+        </p:nvSpPr>
+        <p:spPr>
+          <a:xfrm>
+            <a:off x="914400" y="2057400"/>
+            <a:ext cx="7315200" cy="308610"/>
+          </a:xfrm>
+          <a:prstGeom prst="rect">
+            <a:avLst/>
+          </a:prstGeom>
+          <a:solidFill>
+            <a:srgbClr val="FFFFFF"/>
+          </a:solidFill>
+          <a:ln w="12700">
+            <a:solidFill>
+              <a:srgbClr val="22C55E"/>
+            </a:solidFill>
+            <a:prstDash val="solid"/>
+          </a:ln>
+        </p:spPr>
+      </p:sp>
+      <p:sp>
+        <p:nvSpPr>
+          <p:cNvPr id="11" name="Text 9"/>
+          <p:cNvSpPr/>
+          <p:nvPr/>
+        </p:nvSpPr>
+        <p:spPr>
+          <a:xfrm>
+            <a:off x="1097280" y="2108835"/>
+            <a:ext cx="6949440" cy="205740"/>
+          </a:xfrm>
+          <a:prstGeom prst="rect">
+            <a:avLst/>
+          </a:prstGeom>
+          <a:noFill/>
+          <a:ln/>
+        </p:spPr>
+        <p:txBody>
+          <a:bodyPr wrap="square" rtlCol="0" anchor="ctr"/>
+          <a:lstStyle/>
+          <a:p>
+            <a:pPr algn="l" indent="0" marL="0">
+              <a:buNone/>
+            </a:pPr>
+            <a:r>
+              <a:rPr lang="en-US" sz="900" b="1" dirty="0">
                 <a:solidFill>
                   <a:srgbClr val="C9A227"/>
                 </a:solidFill>
               </a:rPr>
-              <a:t>3. </a:t>
-            </a:r>
-            <a:pPr algn="l" indent="0" marL="0">
-              <a:buNone/>
-            </a:pPr>
-            <a:r>
-              <a:rPr lang="en-US" sz="1100" dirty="0">
+              <a:t>3. Earn: </a:t>
+            </a:r>
+            <a:pPr algn="l" indent="0" marL="0">
+              <a:buNone/>
+            </a:pPr>
+            <a:r>
+              <a:rPr lang="en-US" sz="800" dirty="0">
                 <a:solidFill>
                   <a:srgbClr val="334155"/>
                 </a:solidFill>
               </a:rPr>
-              <a:t>Earn: Get 10% cashback instantly</a:t>
-            </a:r>
-            <a:endParaRPr lang="en-US" sz="1400" dirty="0"/>
-          </a:p>
-        </p:txBody>
-      </p:sp>
-      <p:sp>
-        <p:nvSpPr>
-          <p:cNvPr id="7" name="Text 5"/>
-          <p:cNvSpPr/>
-          <p:nvPr/>
-        </p:nvSpPr>
-        <p:spPr>
-          <a:xfrm>
-            <a:off x="1828800" y="2983230"/>
-            <a:ext cx="5486400" cy="257175"/>
+              <a:t>Get 10% cashback instantly deposited</a:t>
+            </a:r>
+            <a:endParaRPr lang="en-US" sz="900" dirty="0"/>
+          </a:p>
+        </p:txBody>
+      </p:sp>
+      <p:sp>
+        <p:nvSpPr>
+          <p:cNvPr id="12" name="Text 10"/>
+          <p:cNvSpPr/>
+          <p:nvPr/>
+        </p:nvSpPr>
+        <p:spPr>
+          <a:xfrm>
+            <a:off x="731520" y="2520315"/>
+            <a:ext cx="7680960" cy="205740"/>
+          </a:xfrm>
+          <a:prstGeom prst="rect">
+            <a:avLst/>
+          </a:prstGeom>
+          <a:noFill/>
+          <a:ln/>
+        </p:spPr>
+        <p:txBody>
+          <a:bodyPr wrap="square" rtlCol="0" anchor="ctr"/>
+          <a:lstStyle/>
+          <a:p>
+            <a:pPr algn="l" indent="0" marL="0">
+              <a:buNone/>
+            </a:pPr>
+            <a:r>
+              <a:rPr lang="en-US" sz="1000" b="1" dirty="0">
+                <a:solidFill>
+                  <a:srgbClr val="0A1628"/>
+                </a:solidFill>
+              </a:rPr>
+              <a:t>Revenue Split</a:t>
+            </a:r>
+            <a:endParaRPr lang="en-US" sz="1000" dirty="0"/>
+          </a:p>
+        </p:txBody>
+      </p:sp>
+      <p:sp>
+        <p:nvSpPr>
+          <p:cNvPr id="13" name="Text 11"/>
+          <p:cNvSpPr/>
+          <p:nvPr/>
+        </p:nvSpPr>
+        <p:spPr>
+          <a:xfrm>
+            <a:off x="914400" y="2726055"/>
+            <a:ext cx="7315200" cy="154305"/>
+          </a:xfrm>
+          <a:prstGeom prst="rect">
+            <a:avLst/>
+          </a:prstGeom>
+          <a:noFill/>
+          <a:ln/>
+        </p:spPr>
+        <p:txBody>
+          <a:bodyPr wrap="square" rtlCol="0" anchor="ctr"/>
+          <a:lstStyle/>
+          <a:p>
+            <a:pPr algn="l" indent="0" marL="0">
+              <a:buNone/>
+            </a:pPr>
+            <a:r>
+              <a:rPr lang="en-US" sz="700" dirty="0">
+                <a:solidFill>
+                  <a:srgbClr val="475569"/>
+                </a:solidFill>
+              </a:rPr>
+              <a:t>Merchant pays 10% commission:</a:t>
+            </a:r>
+            <a:endParaRPr lang="en-US" sz="700" dirty="0"/>
+          </a:p>
+        </p:txBody>
+      </p:sp>
+      <p:sp>
+        <p:nvSpPr>
+          <p:cNvPr id="14" name="Text 12"/>
+          <p:cNvSpPr/>
+          <p:nvPr/>
+        </p:nvSpPr>
+        <p:spPr>
+          <a:xfrm>
+            <a:off x="1097280" y="2931795"/>
+            <a:ext cx="6949440" cy="154305"/>
+          </a:xfrm>
+          <a:prstGeom prst="rect">
+            <a:avLst/>
+          </a:prstGeom>
+          <a:noFill/>
+          <a:ln/>
+        </p:spPr>
+        <p:txBody>
+          <a:bodyPr wrap="square" rtlCol="0" anchor="ctr"/>
+          <a:lstStyle/>
+          <a:p>
+            <a:pPr algn="l" indent="0" marL="0">
+              <a:buNone/>
+            </a:pPr>
+            <a:r>
+              <a:rPr lang="en-US" sz="900" b="1" dirty="0">
+                <a:solidFill>
+                  <a:srgbClr val="3B82F6"/>
+                </a:solidFill>
+              </a:rPr>
+              <a:t>5% </a:t>
+            </a:r>
+            <a:pPr algn="l" indent="0" marL="0">
+              <a:buNone/>
+            </a:pPr>
+            <a:r>
+              <a:rPr lang="en-US" sz="800" dirty="0">
+                <a:solidFill>
+                  <a:srgbClr val="334155"/>
+                </a:solidFill>
+              </a:rPr>
+              <a:t>User Cashback</a:t>
+            </a:r>
+            <a:endParaRPr lang="en-US" sz="900" dirty="0"/>
+          </a:p>
+        </p:txBody>
+      </p:sp>
+      <p:sp>
+        <p:nvSpPr>
+          <p:cNvPr id="15" name="Text 13"/>
+          <p:cNvSpPr/>
+          <p:nvPr/>
+        </p:nvSpPr>
+        <p:spPr>
+          <a:xfrm>
+            <a:off x="1097280" y="3137535"/>
+            <a:ext cx="6949440" cy="154305"/>
+          </a:xfrm>
+          <a:prstGeom prst="rect">
+            <a:avLst/>
+          </a:prstGeom>
+          <a:noFill/>
+          <a:ln/>
+        </p:spPr>
+        <p:txBody>
+          <a:bodyPr wrap="square" rtlCol="0" anchor="ctr"/>
+          <a:lstStyle/>
+          <a:p>
+            <a:pPr algn="l" indent="0" marL="0">
+              <a:buNone/>
+            </a:pPr>
+            <a:r>
+              <a:rPr lang="en-US" sz="900" b="1" dirty="0">
+                <a:solidFill>
+                  <a:srgbClr val="A855F7"/>
+                </a:solidFill>
+              </a:rPr>
+              <a:t>5% </a:t>
+            </a:r>
+            <a:pPr algn="l" indent="0" marL="0">
+              <a:buNone/>
+            </a:pPr>
+            <a:r>
+              <a:rPr lang="en-US" sz="800" dirty="0">
+                <a:solidFill>
+                  <a:srgbClr val="334155"/>
+                </a:solidFill>
+              </a:rPr>
+              <a:t>Social Referral</a:t>
+            </a:r>
+            <a:endParaRPr lang="en-US" sz="900" dirty="0"/>
+          </a:p>
+        </p:txBody>
+      </p:sp>
+      <p:sp>
+        <p:nvSpPr>
+          <p:cNvPr id="16" name="Text 14"/>
+          <p:cNvSpPr/>
+          <p:nvPr/>
+        </p:nvSpPr>
+        <p:spPr>
+          <a:xfrm>
+            <a:off x="1097280" y="3343275"/>
+            <a:ext cx="6949440" cy="154305"/>
+          </a:xfrm>
+          <a:prstGeom prst="rect">
+            <a:avLst/>
+          </a:prstGeom>
+          <a:noFill/>
+          <a:ln/>
+        </p:spPr>
+        <p:txBody>
+          <a:bodyPr wrap="square" rtlCol="0" anchor="ctr"/>
+          <a:lstStyle/>
+          <a:p>
+            <a:pPr algn="l" indent="0" marL="0">
+              <a:buNone/>
+            </a:pPr>
+            <a:r>
+              <a:rPr lang="en-US" sz="900" b="1" dirty="0">
+                <a:solidFill>
+                  <a:srgbClr val="22C55E"/>
+                </a:solidFill>
+              </a:rPr>
+              <a:t>5% </a:t>
+            </a:r>
+            <a:pPr algn="l" indent="0" marL="0">
+              <a:buNone/>
+            </a:pPr>
+            <a:r>
+              <a:rPr lang="en-US" sz="800" dirty="0">
+                <a:solidFill>
+                  <a:srgbClr val="334155"/>
+                </a:solidFill>
+              </a:rPr>
+              <a:t>Nuqta Revenue</a:t>
+            </a:r>
+            <a:endParaRPr lang="en-US" sz="900" dirty="0"/>
+          </a:p>
+        </p:txBody>
+      </p:sp>
+      <p:sp>
+        <p:nvSpPr>
+          <p:cNvPr id="17" name="Text 15"/>
+          <p:cNvSpPr/>
+          <p:nvPr/>
+        </p:nvSpPr>
+        <p:spPr>
+          <a:xfrm>
+            <a:off x="731520" y="3651885"/>
+            <a:ext cx="7680960" cy="205740"/>
+          </a:xfrm>
+          <a:prstGeom prst="rect">
+            <a:avLst/>
+          </a:prstGeom>
+          <a:noFill/>
+          <a:ln/>
+        </p:spPr>
+        <p:txBody>
+          <a:bodyPr wrap="square" rtlCol="0" anchor="ctr"/>
+          <a:lstStyle/>
+          <a:p>
+            <a:pPr algn="l" indent="0" marL="0">
+              <a:buNone/>
+            </a:pPr>
+            <a:r>
+              <a:rPr lang="en-US" sz="1000" b="1" dirty="0">
+                <a:solidFill>
+                  <a:srgbClr val="0A1628"/>
+                </a:solidFill>
+              </a:rPr>
+              <a:t>Dual Coin System</a:t>
+            </a:r>
+            <a:endParaRPr lang="en-US" sz="1000" dirty="0"/>
+          </a:p>
+        </p:txBody>
+      </p:sp>
+      <p:sp>
+        <p:nvSpPr>
+          <p:cNvPr id="18" name="Shape 16"/>
+          <p:cNvSpPr/>
+          <p:nvPr/>
+        </p:nvSpPr>
+        <p:spPr>
+          <a:xfrm>
+            <a:off x="914400" y="3909060"/>
+            <a:ext cx="3474720" cy="411480"/>
+          </a:xfrm>
+          <a:prstGeom prst="rect">
+            <a:avLst/>
+          </a:prstGeom>
+          <a:solidFill>
+            <a:srgbClr val="C9A227">
+              <a:alpha val="90000"/>
+            </a:srgbClr>
+          </a:solidFill>
+          <a:ln w="12700">
+            <a:solidFill>
+              <a:srgbClr val="C9A227"/>
+            </a:solidFill>
+            <a:prstDash val="solid"/>
+          </a:ln>
+        </p:spPr>
+      </p:sp>
+      <p:sp>
+        <p:nvSpPr>
+          <p:cNvPr id="19" name="Text 17"/>
+          <p:cNvSpPr/>
+          <p:nvPr/>
+        </p:nvSpPr>
+        <p:spPr>
+          <a:xfrm>
+            <a:off x="1005840" y="3960495"/>
+            <a:ext cx="3291840" cy="308610"/>
           </a:xfrm>
           <a:prstGeom prst="rect">
             <a:avLst/>
@@ -3136,27 +5501,150 @@
               <a:buNone/>
             </a:pPr>
             <a:r>
-              <a:rPr lang="en-US" sz="1200" b="1" dirty="0">
+              <a:rPr lang="en-US" sz="800" b="1" dirty="0">
+                <a:solidFill>
+                  <a:srgbClr val="C9A227"/>
+                </a:solidFill>
+              </a:rPr>
+              <a:t>🪙 Gold Coins
+</a:t>
+            </a:r>
+            <a:pPr algn="ctr" indent="0" marL="0">
+              <a:buNone/>
+            </a:pPr>
+            <a:r>
+              <a:rPr lang="en-US" sz="600" dirty="0">
+                <a:solidFill>
+                  <a:srgbClr val="334155"/>
+                </a:solidFill>
+              </a:rPr>
+              <a:t>Universal, any merchant</a:t>
+            </a:r>
+            <a:endParaRPr lang="en-US" sz="800" dirty="0"/>
+          </a:p>
+        </p:txBody>
+      </p:sp>
+      <p:sp>
+        <p:nvSpPr>
+          <p:cNvPr id="20" name="Shape 18"/>
+          <p:cNvSpPr/>
+          <p:nvPr/>
+        </p:nvSpPr>
+        <p:spPr>
+          <a:xfrm>
+            <a:off x="4754880" y="3909060"/>
+            <a:ext cx="3474720" cy="411480"/>
+          </a:xfrm>
+          <a:prstGeom prst="rect">
+            <a:avLst/>
+          </a:prstGeom>
+          <a:solidFill>
+            <a:srgbClr val="A855F7">
+              <a:alpha val="90000"/>
+            </a:srgbClr>
+          </a:solidFill>
+          <a:ln w="12700">
+            <a:solidFill>
+              <a:srgbClr val="A855F7"/>
+            </a:solidFill>
+            <a:prstDash val="solid"/>
+          </a:ln>
+        </p:spPr>
+      </p:sp>
+      <p:sp>
+        <p:nvSpPr>
+          <p:cNvPr id="21" name="Text 19"/>
+          <p:cNvSpPr/>
+          <p:nvPr/>
+        </p:nvSpPr>
+        <p:spPr>
+          <a:xfrm>
+            <a:off x="4846320" y="3960495"/>
+            <a:ext cx="3291840" cy="308610"/>
+          </a:xfrm>
+          <a:prstGeom prst="rect">
+            <a:avLst/>
+          </a:prstGeom>
+          <a:noFill/>
+          <a:ln/>
+        </p:spPr>
+        <p:txBody>
+          <a:bodyPr wrap="square" rtlCol="0" anchor="ctr"/>
+          <a:lstStyle/>
+          <a:p>
+            <a:pPr algn="ctr" indent="0" marL="0">
+              <a:buNone/>
+            </a:pPr>
+            <a:r>
+              <a:rPr lang="en-US" sz="800" b="1" dirty="0">
+                <a:solidFill>
+                  <a:srgbClr val="A855F7"/>
+                </a:solidFill>
+              </a:rPr>
+              <a:t>💎 Merchant Coins
+</a:t>
+            </a:r>
+            <a:pPr algn="ctr" indent="0" marL="0">
+              <a:buNone/>
+            </a:pPr>
+            <a:r>
+              <a:rPr lang="en-US" sz="600" dirty="0">
+                <a:solidFill>
+                  <a:srgbClr val="334155"/>
+                </a:solidFill>
+              </a:rPr>
+              <a:t>Brand-specific loyalty</a:t>
+            </a:r>
+            <a:endParaRPr lang="en-US" sz="800" dirty="0"/>
+          </a:p>
+        </p:txBody>
+      </p:sp>
+      <p:sp>
+        <p:nvSpPr>
+          <p:cNvPr id="22" name="Text 20"/>
+          <p:cNvSpPr/>
+          <p:nvPr/>
+        </p:nvSpPr>
+        <p:spPr>
+          <a:xfrm>
+            <a:off x="731520" y="4423410"/>
+            <a:ext cx="7680960" cy="154305"/>
+          </a:xfrm>
+          <a:prstGeom prst="rect">
+            <a:avLst/>
+          </a:prstGeom>
+          <a:noFill/>
+          <a:ln/>
+        </p:spPr>
+        <p:txBody>
+          <a:bodyPr wrap="square" rtlCol="0" anchor="ctr"/>
+          <a:lstStyle/>
+          <a:p>
+            <a:pPr algn="l" indent="0" marL="0">
+              <a:buNone/>
+            </a:pPr>
+            <a:r>
+              <a:rPr lang="en-US" sz="900" b="1" dirty="0">
                 <a:solidFill>
                   <a:srgbClr val="0A1628"/>
                 </a:solidFill>
               </a:rPr>
-              <a:t>Business Model</a:t>
-            </a:r>
-            <a:endParaRPr lang="en-US" sz="1200" dirty="0"/>
-          </a:p>
-        </p:txBody>
-      </p:sp>
-      <p:sp>
-        <p:nvSpPr>
-          <p:cNvPr id="8" name="Text 6"/>
-          <p:cNvSpPr/>
-          <p:nvPr/>
-        </p:nvSpPr>
-        <p:spPr>
-          <a:xfrm>
-            <a:off x="1371600" y="3343275"/>
-            <a:ext cx="6400800" cy="257175"/>
+              <a:t>12-Month Projections</a:t>
+            </a:r>
+            <a:endParaRPr lang="en-US" sz="900" dirty="0"/>
+          </a:p>
+        </p:txBody>
+      </p:sp>
+      <p:sp>
+        <p:nvSpPr>
+          <p:cNvPr id="23" name="Text 21"/>
+          <p:cNvSpPr/>
+          <p:nvPr/>
+        </p:nvSpPr>
+        <p:spPr>
+          <a:xfrm>
+            <a:off x="914400" y="4629150"/>
+            <a:ext cx="7315200" cy="205740"/>
           </a:xfrm>
           <a:prstGeom prst="rect">
             <a:avLst/>
@@ -3172,108 +5660,58 @@
               <a:buNone/>
             </a:pPr>
             <a:r>
-              <a:rPr lang="en-US" sz="1000" dirty="0">
-                <a:solidFill>
-                  <a:srgbClr val="475569"/>
-                </a:solidFill>
-              </a:rPr>
-              <a:t>Merchant pays 10% → </a:t>
+              <a:rPr lang="en-US" sz="700" b="1" dirty="0">
+                <a:solidFill>
+                  <a:srgbClr val="3B82F6"/>
+                </a:solidFill>
+              </a:rPr>
+              <a:t>10K users </a:t>
             </a:r>
             <a:pPr algn="ctr" indent="0" marL="0">
               <a:buNone/>
             </a:pPr>
             <a:r>
-              <a:rPr lang="en-US" sz="1000" b="1" dirty="0">
+              <a:rPr lang="en-US" sz="700" dirty="0">
+                <a:solidFill>
+                  <a:srgbClr val="94A3B8"/>
+                </a:solidFill>
+              </a:rPr>
+              <a:t>• </a:t>
+            </a:r>
+            <a:pPr algn="ctr" indent="0" marL="0">
+              <a:buNone/>
+            </a:pPr>
+            <a:r>
+              <a:rPr lang="en-US" sz="700" b="1" dirty="0">
+                <a:solidFill>
+                  <a:srgbClr val="10B981"/>
+                </a:solidFill>
+              </a:rPr>
+              <a:t>AED 9M GMV </a:t>
+            </a:r>
+            <a:pPr algn="ctr" indent="0" marL="0">
+              <a:buNone/>
+            </a:pPr>
+            <a:r>
+              <a:rPr lang="en-US" sz="700" dirty="0">
+                <a:solidFill>
+                  <a:srgbClr val="94A3B8"/>
+                </a:solidFill>
+              </a:rPr>
+              <a:t>• </a:t>
+            </a:r>
+            <a:pPr algn="ctr" indent="0" marL="0">
+              <a:buNone/>
+            </a:pPr>
+            <a:r>
+              <a:rPr lang="en-US" sz="700" b="1" dirty="0">
                 <a:solidFill>
                   <a:srgbClr val="22C55E"/>
                 </a:solidFill>
               </a:rPr>
-              <a:t>Nuqta 5% </a:t>
-            </a:r>
-            <a:pPr algn="ctr" indent="0" marL="0">
-              <a:buNone/>
-            </a:pPr>
-            <a:r>
-              <a:rPr lang="en-US" sz="1000" b="1" dirty="0">
-                <a:solidFill>
-                  <a:srgbClr val="3B82F6"/>
-                </a:solidFill>
-              </a:rPr>
-              <a:t>+ User 5%</a:t>
-            </a:r>
-            <a:endParaRPr lang="en-US" sz="1000" dirty="0"/>
-          </a:p>
-        </p:txBody>
-      </p:sp>
-      <p:sp>
-        <p:nvSpPr>
-          <p:cNvPr id="9" name="Text 7"/>
-          <p:cNvSpPr/>
-          <p:nvPr/>
-        </p:nvSpPr>
-        <p:spPr>
-          <a:xfrm>
-            <a:off x="914400" y="3857625"/>
-            <a:ext cx="7315200" cy="411480"/>
-          </a:xfrm>
-          <a:prstGeom prst="rect">
-            <a:avLst/>
-          </a:prstGeom>
-          <a:noFill/>
-          <a:ln/>
-        </p:spPr>
-        <p:txBody>
-          <a:bodyPr wrap="square" rtlCol="0" anchor="ctr"/>
-          <a:lstStyle/>
-          <a:p>
-            <a:pPr algn="ctr" indent="0" marL="0">
-              <a:buNone/>
-            </a:pPr>
-            <a:r>
-              <a:rPr lang="en-US" sz="1000" dirty="0">
-                <a:solidFill>
-                  <a:srgbClr val="334155"/>
-                </a:solidFill>
-              </a:rPr>
-              <a:t>Year 1: 10K users, AED 9M GMV, AED 450K revenue</a:t>
-            </a:r>
-            <a:endParaRPr lang="en-US" sz="1000" dirty="0"/>
-          </a:p>
-        </p:txBody>
-      </p:sp>
-      <p:sp>
-        <p:nvSpPr>
-          <p:cNvPr id="10" name="Text 8"/>
-          <p:cNvSpPr/>
-          <p:nvPr/>
-        </p:nvSpPr>
-        <p:spPr>
-          <a:xfrm>
-            <a:off x="914400" y="4320540"/>
-            <a:ext cx="7315200" cy="308610"/>
-          </a:xfrm>
-          <a:prstGeom prst="rect">
-            <a:avLst/>
-          </a:prstGeom>
-          <a:noFill/>
-          <a:ln/>
-        </p:spPr>
-        <p:txBody>
-          <a:bodyPr wrap="square" rtlCol="0" anchor="ctr"/>
-          <a:lstStyle/>
-          <a:p>
-            <a:pPr algn="ctr" indent="0" marL="0">
-              <a:buNone/>
-            </a:pPr>
-            <a:r>
-              <a:rPr lang="en-US" sz="900" i="1" dirty="0">
-                <a:solidFill>
-                  <a:srgbClr val="475569"/>
-                </a:solidFill>
-              </a:rPr>
-              <a:t>Dual Coin System: Gold (universal) + Merchant Coins</a:t>
-            </a:r>
-            <a:endParaRPr lang="en-US" sz="900" dirty="0"/>
+              <a:t>AED 450K Revenue</a:t>
+            </a:r>
+            <a:endParaRPr lang="en-US" sz="700" dirty="0"/>
           </a:p>
         </p:txBody>
       </p:sp>
@@ -3317,8 +5755,8 @@
         </p:nvSpPr>
         <p:spPr>
           <a:xfrm>
-            <a:off x="1828800" y="411480"/>
-            <a:ext cx="5486400" cy="308610"/>
+            <a:off x="457200" y="205740"/>
+            <a:ext cx="8229600" cy="257175"/>
           </a:xfrm>
           <a:prstGeom prst="rect">
             <a:avLst/>
@@ -3336,14 +5774,14 @@
               <a:buNone/>
             </a:pPr>
             <a:r>
-              <a:rPr lang="en-US" sz="1200" b="1" dirty="0">
+              <a:rPr lang="en-US" sz="1100" b="1" dirty="0">
                 <a:solidFill>
                   <a:srgbClr val="FFFFFF"/>
                 </a:solidFill>
               </a:rPr>
               <a:t>TRACTION &amp; TEAM</a:t>
             </a:r>
-            <a:endParaRPr lang="en-US" sz="1200" dirty="0"/>
+            <a:endParaRPr lang="en-US" sz="1100" dirty="0"/>
           </a:p>
         </p:txBody>
       </p:sp>
@@ -3355,24 +5793,60 @@
         </p:nvSpPr>
         <p:spPr>
           <a:xfrm>
-            <a:off x="1371600" y="1028700"/>
-            <a:ext cx="6400800" cy="257175"/>
-          </a:xfrm>
-          <a:prstGeom prst="rect">
-            <a:avLst/>
-          </a:prstGeom>
-          <a:noFill/>
-          <a:ln/>
-        </p:spPr>
-        <p:txBody>
-          <a:bodyPr wrap="square" rtlCol="0" anchor="ctr"/>
-          <a:lstStyle/>
-          <a:p>
-            <a:pPr algn="l" indent="0" marL="0">
-              <a:buNone/>
-            </a:pPr>
-            <a:r>
-              <a:rPr lang="en-US" sz="1400" dirty="0">
+            <a:off x="731520" y="565785"/>
+            <a:ext cx="7680960" cy="205740"/>
+          </a:xfrm>
+          <a:prstGeom prst="rect">
+            <a:avLst/>
+          </a:prstGeom>
+          <a:noFill/>
+          <a:ln/>
+        </p:spPr>
+        <p:txBody>
+          <a:bodyPr wrap="square" rtlCol="0" anchor="ctr"/>
+          <a:lstStyle/>
+          <a:p>
+            <a:pPr algn="l" indent="0" marL="0">
+              <a:buNone/>
+            </a:pPr>
+            <a:r>
+              <a:rPr lang="en-US" sz="1000" b="1" dirty="0">
+                <a:solidFill>
+                  <a:srgbClr val="0A1628"/>
+                </a:solidFill>
+              </a:rPr>
+              <a:t>Current Traction</a:t>
+            </a:r>
+            <a:endParaRPr lang="en-US" sz="1000" dirty="0"/>
+          </a:p>
+        </p:txBody>
+      </p:sp>
+      <p:sp>
+        <p:nvSpPr>
+          <p:cNvPr id="4" name="Text 2"/>
+          <p:cNvSpPr/>
+          <p:nvPr/>
+        </p:nvSpPr>
+        <p:spPr>
+          <a:xfrm>
+            <a:off x="914400" y="822960"/>
+            <a:ext cx="7315200" cy="154305"/>
+          </a:xfrm>
+          <a:prstGeom prst="rect">
+            <a:avLst/>
+          </a:prstGeom>
+          <a:noFill/>
+          <a:ln/>
+        </p:spPr>
+        <p:txBody>
+          <a:bodyPr wrap="square" rtlCol="0" anchor="ctr"/>
+          <a:lstStyle/>
+          <a:p>
+            <a:pPr algn="l" indent="0" marL="0">
+              <a:buNone/>
+            </a:pPr>
+            <a:r>
+              <a:rPr lang="en-US" sz="900" dirty="0">
                 <a:solidFill>
                   <a:srgbClr val="22C55E"/>
                 </a:solidFill>
@@ -3383,336 +5857,689 @@
               <a:buNone/>
             </a:pPr>
             <a:r>
-              <a:rPr lang="en-US" sz="1100" b="1" dirty="0">
+              <a:rPr lang="en-US" sz="800" b="1" dirty="0">
+                <a:solidFill>
+                  <a:srgbClr val="1E293B"/>
+                </a:solidFill>
+              </a:rPr>
+              <a:t>30+ Signed LOIs </a:t>
+            </a:r>
+            <a:pPr algn="l" indent="0" marL="0">
+              <a:buNone/>
+            </a:pPr>
+            <a:r>
+              <a:rPr lang="en-US" sz="600" i="1" dirty="0">
+                <a:solidFill>
+                  <a:srgbClr val="64748B"/>
+                </a:solidFill>
+              </a:rPr>
+              <a:t>— Electronics, fashion, F&amp;B</a:t>
+            </a:r>
+            <a:endParaRPr lang="en-US" sz="900" dirty="0"/>
+          </a:p>
+        </p:txBody>
+      </p:sp>
+      <p:sp>
+        <p:nvSpPr>
+          <p:cNvPr id="5" name="Text 3"/>
+          <p:cNvSpPr/>
+          <p:nvPr/>
+        </p:nvSpPr>
+        <p:spPr>
+          <a:xfrm>
+            <a:off x="914400" y="1028700"/>
+            <a:ext cx="7315200" cy="154305"/>
+          </a:xfrm>
+          <a:prstGeom prst="rect">
+            <a:avLst/>
+          </a:prstGeom>
+          <a:noFill/>
+          <a:ln/>
+        </p:spPr>
+        <p:txBody>
+          <a:bodyPr wrap="square" rtlCol="0" anchor="ctr"/>
+          <a:lstStyle/>
+          <a:p>
+            <a:pPr algn="l" indent="0" marL="0">
+              <a:buNone/>
+            </a:pPr>
+            <a:r>
+              <a:rPr lang="en-US" sz="900" dirty="0">
+                <a:solidFill>
+                  <a:srgbClr val="22C55E"/>
+                </a:solidFill>
+              </a:rPr>
+              <a:t>✓ </a:t>
+            </a:r>
+            <a:pPr algn="l" indent="0" marL="0">
+              <a:buNone/>
+            </a:pPr>
+            <a:r>
+              <a:rPr lang="en-US" sz="800" b="1" dirty="0">
+                <a:solidFill>
+                  <a:srgbClr val="1E293B"/>
+                </a:solidFill>
+              </a:rPr>
+              <a:t>60+ Pipeline </a:t>
+            </a:r>
+            <a:pPr algn="l" indent="0" marL="0">
+              <a:buNone/>
+            </a:pPr>
+            <a:r>
+              <a:rPr lang="en-US" sz="600" i="1" dirty="0">
+                <a:solidFill>
+                  <a:srgbClr val="64748B"/>
+                </a:solidFill>
+              </a:rPr>
+              <a:t>— Active merchant discussions</a:t>
+            </a:r>
+            <a:endParaRPr lang="en-US" sz="900" dirty="0"/>
+          </a:p>
+        </p:txBody>
+      </p:sp>
+      <p:sp>
+        <p:nvSpPr>
+          <p:cNvPr id="6" name="Text 4"/>
+          <p:cNvSpPr/>
+          <p:nvPr/>
+        </p:nvSpPr>
+        <p:spPr>
+          <a:xfrm>
+            <a:off x="914400" y="1234440"/>
+            <a:ext cx="7315200" cy="154305"/>
+          </a:xfrm>
+          <a:prstGeom prst="rect">
+            <a:avLst/>
+          </a:prstGeom>
+          <a:noFill/>
+          <a:ln/>
+        </p:spPr>
+        <p:txBody>
+          <a:bodyPr wrap="square" rtlCol="0" anchor="ctr"/>
+          <a:lstStyle/>
+          <a:p>
+            <a:pPr algn="l" indent="0" marL="0">
+              <a:buNone/>
+            </a:pPr>
+            <a:r>
+              <a:rPr lang="en-US" sz="900" dirty="0">
+                <a:solidFill>
+                  <a:srgbClr val="22C55E"/>
+                </a:solidFill>
+              </a:rPr>
+              <a:t>✓ </a:t>
+            </a:r>
+            <a:pPr algn="l" indent="0" marL="0">
+              <a:buNone/>
+            </a:pPr>
+            <a:r>
+              <a:rPr lang="en-US" sz="800" b="1" dirty="0">
+                <a:solidFill>
+                  <a:srgbClr val="1E293B"/>
+                </a:solidFill>
+              </a:rPr>
+              <a:t>95% MVP Complete </a:t>
+            </a:r>
+            <a:pPr algn="l" indent="0" marL="0">
+              <a:buNone/>
+            </a:pPr>
+            <a:r>
+              <a:rPr lang="en-US" sz="600" i="1" dirty="0">
+                <a:solidFill>
+                  <a:srgbClr val="64748B"/>
+                </a:solidFill>
+              </a:rPr>
+              <a:t>— Live in 30 days</a:t>
+            </a:r>
+            <a:endParaRPr lang="en-US" sz="900" dirty="0"/>
+          </a:p>
+        </p:txBody>
+      </p:sp>
+      <p:sp>
+        <p:nvSpPr>
+          <p:cNvPr id="7" name="Text 5"/>
+          <p:cNvSpPr/>
+          <p:nvPr/>
+        </p:nvSpPr>
+        <p:spPr>
+          <a:xfrm>
+            <a:off x="914400" y="1440180"/>
+            <a:ext cx="7315200" cy="154305"/>
+          </a:xfrm>
+          <a:prstGeom prst="rect">
+            <a:avLst/>
+          </a:prstGeom>
+          <a:noFill/>
+          <a:ln/>
+        </p:spPr>
+        <p:txBody>
+          <a:bodyPr wrap="square" rtlCol="0" anchor="ctr"/>
+          <a:lstStyle/>
+          <a:p>
+            <a:pPr algn="l" indent="0" marL="0">
+              <a:buNone/>
+            </a:pPr>
+            <a:r>
+              <a:rPr lang="en-US" sz="900" dirty="0">
+                <a:solidFill>
+                  <a:srgbClr val="22C55E"/>
+                </a:solidFill>
+              </a:rPr>
+              <a:t>✓ </a:t>
+            </a:r>
+            <a:pPr algn="l" indent="0" marL="0">
+              <a:buNone/>
+            </a:pPr>
+            <a:r>
+              <a:rPr lang="en-US" sz="800" b="1" dirty="0">
+                <a:solidFill>
+                  <a:srgbClr val="1E293B"/>
+                </a:solidFill>
+              </a:rPr>
+              <a:t>Merchant NPS: 92 </a:t>
+            </a:r>
+            <a:pPr algn="l" indent="0" marL="0">
+              <a:buNone/>
+            </a:pPr>
+            <a:r>
+              <a:rPr lang="en-US" sz="600" i="1" dirty="0">
+                <a:solidFill>
+                  <a:srgbClr val="64748B"/>
+                </a:solidFill>
+              </a:rPr>
+              <a:t>— "Game-changer for our CAC"</a:t>
+            </a:r>
+            <a:endParaRPr lang="en-US" sz="900" dirty="0"/>
+          </a:p>
+        </p:txBody>
+      </p:sp>
+      <p:sp>
+        <p:nvSpPr>
+          <p:cNvPr id="8" name="Text 6"/>
+          <p:cNvSpPr/>
+          <p:nvPr/>
+        </p:nvSpPr>
+        <p:spPr>
+          <a:xfrm>
+            <a:off x="731520" y="1748790"/>
+            <a:ext cx="7680960" cy="205740"/>
+          </a:xfrm>
+          <a:prstGeom prst="rect">
+            <a:avLst/>
+          </a:prstGeom>
+          <a:noFill/>
+          <a:ln/>
+        </p:spPr>
+        <p:txBody>
+          <a:bodyPr wrap="square" rtlCol="0" anchor="ctr"/>
+          <a:lstStyle/>
+          <a:p>
+            <a:pPr algn="l" indent="0" marL="0">
+              <a:buNone/>
+            </a:pPr>
+            <a:r>
+              <a:rPr lang="en-US" sz="1000" b="1" dirty="0">
+                <a:solidFill>
+                  <a:srgbClr val="0A1628"/>
+                </a:solidFill>
+              </a:rPr>
+              <a:t>Founder &amp; Team</a:t>
+            </a:r>
+            <a:endParaRPr lang="en-US" sz="1000" dirty="0"/>
+          </a:p>
+        </p:txBody>
+      </p:sp>
+      <p:sp>
+        <p:nvSpPr>
+          <p:cNvPr id="9" name="Shape 7"/>
+          <p:cNvSpPr/>
+          <p:nvPr/>
+        </p:nvSpPr>
+        <p:spPr>
+          <a:xfrm>
+            <a:off x="914400" y="2005965"/>
+            <a:ext cx="7315200" cy="822960"/>
+          </a:xfrm>
+          <a:prstGeom prst="rect">
+            <a:avLst/>
+          </a:prstGeom>
+          <a:solidFill>
+            <a:srgbClr val="FFFFFF"/>
+          </a:solidFill>
+          <a:ln w="12700">
+            <a:solidFill>
+              <a:srgbClr val="C9A227"/>
+            </a:solidFill>
+            <a:prstDash val="solid"/>
+          </a:ln>
+        </p:spPr>
+      </p:sp>
+      <p:sp>
+        <p:nvSpPr>
+          <p:cNvPr id="10" name="Text 8"/>
+          <p:cNvSpPr/>
+          <p:nvPr/>
+        </p:nvSpPr>
+        <p:spPr>
+          <a:xfrm>
+            <a:off x="1097280" y="2057400"/>
+            <a:ext cx="6949440" cy="205740"/>
+          </a:xfrm>
+          <a:prstGeom prst="rect">
+            <a:avLst/>
+          </a:prstGeom>
+          <a:noFill/>
+          <a:ln/>
+        </p:spPr>
+        <p:txBody>
+          <a:bodyPr wrap="square" rtlCol="0" anchor="ctr"/>
+          <a:lstStyle/>
+          <a:p>
+            <a:pPr algn="l" indent="0" marL="0">
+              <a:buNone/>
+            </a:pPr>
+            <a:r>
+              <a:rPr lang="en-US" sz="1000" b="1" dirty="0">
+                <a:solidFill>
+                  <a:srgbClr val="0A1628"/>
+                </a:solidFill>
+              </a:rPr>
+              <a:t>Rejaul Karim </a:t>
+            </a:r>
+            <a:pPr algn="l" indent="0" marL="0">
+              <a:buNone/>
+            </a:pPr>
+            <a:r>
+              <a:rPr lang="en-US" sz="700" dirty="0">
+                <a:solidFill>
+                  <a:srgbClr val="475569"/>
+                </a:solidFill>
+              </a:rPr>
+              <a:t>— Founder &amp; CEO
+</a:t>
+            </a:r>
+            <a:endParaRPr lang="en-US" sz="1000" dirty="0"/>
+          </a:p>
+        </p:txBody>
+      </p:sp>
+      <p:sp>
+        <p:nvSpPr>
+          <p:cNvPr id="11" name="Text 9"/>
+          <p:cNvSpPr/>
+          <p:nvPr/>
+        </p:nvSpPr>
+        <p:spPr>
+          <a:xfrm>
+            <a:off x="1188720" y="2263140"/>
+            <a:ext cx="6766560" cy="128588"/>
+          </a:xfrm>
+          <a:prstGeom prst="rect">
+            <a:avLst/>
+          </a:prstGeom>
+          <a:noFill/>
+          <a:ln/>
+        </p:spPr>
+        <p:txBody>
+          <a:bodyPr wrap="square" rtlCol="0" anchor="ctr"/>
+          <a:lstStyle/>
+          <a:p>
+            <a:pPr algn="l" indent="0" marL="0">
+              <a:buNone/>
+            </a:pPr>
+            <a:r>
+              <a:rPr lang="en-US" sz="600" dirty="0">
                 <a:solidFill>
                   <a:srgbClr val="334155"/>
                 </a:solidFill>
               </a:rPr>
-              <a:t>30+ Signed LOIs</a:t>
-            </a:r>
-            <a:endParaRPr lang="en-US" sz="1400" dirty="0"/>
-          </a:p>
-        </p:txBody>
-      </p:sp>
-      <p:sp>
-        <p:nvSpPr>
-          <p:cNvPr id="4" name="Text 2"/>
-          <p:cNvSpPr/>
-          <p:nvPr/>
-        </p:nvSpPr>
-        <p:spPr>
-          <a:xfrm>
-            <a:off x="1371600" y="1388745"/>
-            <a:ext cx="6400800" cy="257175"/>
-          </a:xfrm>
-          <a:prstGeom prst="rect">
-            <a:avLst/>
-          </a:prstGeom>
-          <a:noFill/>
-          <a:ln/>
-        </p:spPr>
-        <p:txBody>
-          <a:bodyPr wrap="square" rtlCol="0" anchor="ctr"/>
-          <a:lstStyle/>
-          <a:p>
-            <a:pPr algn="l" indent="0" marL="0">
-              <a:buNone/>
-            </a:pPr>
-            <a:r>
-              <a:rPr lang="en-US" sz="1400" dirty="0">
-                <a:solidFill>
-                  <a:srgbClr val="22C55E"/>
-                </a:solidFill>
-              </a:rPr>
-              <a:t>✓ </a:t>
-            </a:r>
-            <a:pPr algn="l" indent="0" marL="0">
-              <a:buNone/>
-            </a:pPr>
-            <a:r>
-              <a:rPr lang="en-US" sz="1100" b="1" dirty="0">
+              <a:t>• 10+ years building tech &amp; commerce platforms</a:t>
+            </a:r>
+            <a:endParaRPr lang="en-US" sz="600" dirty="0"/>
+          </a:p>
+        </p:txBody>
+      </p:sp>
+      <p:sp>
+        <p:nvSpPr>
+          <p:cNvPr id="12" name="Text 10"/>
+          <p:cNvSpPr/>
+          <p:nvPr/>
+        </p:nvSpPr>
+        <p:spPr>
+          <a:xfrm>
+            <a:off x="1188720" y="2391728"/>
+            <a:ext cx="6766560" cy="128588"/>
+          </a:xfrm>
+          <a:prstGeom prst="rect">
+            <a:avLst/>
+          </a:prstGeom>
+          <a:noFill/>
+          <a:ln/>
+        </p:spPr>
+        <p:txBody>
+          <a:bodyPr wrap="square" rtlCol="0" anchor="ctr"/>
+          <a:lstStyle/>
+          <a:p>
+            <a:pPr algn="l" indent="0" marL="0">
+              <a:buNone/>
+            </a:pPr>
+            <a:r>
+              <a:rPr lang="en-US" sz="600" dirty="0">
                 <a:solidFill>
                   <a:srgbClr val="334155"/>
                 </a:solidFill>
               </a:rPr>
-              <a:t>60+ Pipeline merchants</a:t>
-            </a:r>
-            <a:endParaRPr lang="en-US" sz="1400" dirty="0"/>
-          </a:p>
-        </p:txBody>
-      </p:sp>
-      <p:sp>
-        <p:nvSpPr>
-          <p:cNvPr id="5" name="Text 3"/>
-          <p:cNvSpPr/>
-          <p:nvPr/>
-        </p:nvSpPr>
-        <p:spPr>
-          <a:xfrm>
-            <a:off x="1371600" y="1748790"/>
-            <a:ext cx="6400800" cy="257175"/>
-          </a:xfrm>
-          <a:prstGeom prst="rect">
-            <a:avLst/>
-          </a:prstGeom>
-          <a:noFill/>
-          <a:ln/>
-        </p:spPr>
-        <p:txBody>
-          <a:bodyPr wrap="square" rtlCol="0" anchor="ctr"/>
-          <a:lstStyle/>
-          <a:p>
-            <a:pPr algn="l" indent="0" marL="0">
-              <a:buNone/>
-            </a:pPr>
-            <a:r>
-              <a:rPr lang="en-US" sz="1400" dirty="0">
-                <a:solidFill>
-                  <a:srgbClr val="22C55E"/>
-                </a:solidFill>
-              </a:rPr>
-              <a:t>✓ </a:t>
-            </a:r>
-            <a:pPr algn="l" indent="0" marL="0">
-              <a:buNone/>
-            </a:pPr>
-            <a:r>
-              <a:rPr lang="en-US" sz="1100" b="1" dirty="0">
+              <a:t>• Scaled ecommerce products to 500K+ users</a:t>
+            </a:r>
+            <a:endParaRPr lang="en-US" sz="600" dirty="0"/>
+          </a:p>
+        </p:txBody>
+      </p:sp>
+      <p:sp>
+        <p:nvSpPr>
+          <p:cNvPr id="13" name="Text 11"/>
+          <p:cNvSpPr/>
+          <p:nvPr/>
+        </p:nvSpPr>
+        <p:spPr>
+          <a:xfrm>
+            <a:off x="1188720" y="2520315"/>
+            <a:ext cx="6766560" cy="128588"/>
+          </a:xfrm>
+          <a:prstGeom prst="rect">
+            <a:avLst/>
+          </a:prstGeom>
+          <a:noFill/>
+          <a:ln/>
+        </p:spPr>
+        <p:txBody>
+          <a:bodyPr wrap="square" rtlCol="0" anchor="ctr"/>
+          <a:lstStyle/>
+          <a:p>
+            <a:pPr algn="l" indent="0" marL="0">
+              <a:buNone/>
+            </a:pPr>
+            <a:r>
+              <a:rPr lang="en-US" sz="600" dirty="0">
                 <a:solidFill>
                   <a:srgbClr val="334155"/>
                 </a:solidFill>
               </a:rPr>
-              <a:t>95% MVP complete</a:t>
-            </a:r>
-            <a:endParaRPr lang="en-US" sz="1400" dirty="0"/>
-          </a:p>
-        </p:txBody>
-      </p:sp>
-      <p:sp>
-        <p:nvSpPr>
-          <p:cNvPr id="6" name="Text 4"/>
-          <p:cNvSpPr/>
-          <p:nvPr/>
-        </p:nvSpPr>
-        <p:spPr>
-          <a:xfrm>
-            <a:off x="1371600" y="2108835"/>
-            <a:ext cx="6400800" cy="257175"/>
-          </a:xfrm>
-          <a:prstGeom prst="rect">
-            <a:avLst/>
-          </a:prstGeom>
-          <a:noFill/>
-          <a:ln/>
-        </p:spPr>
-        <p:txBody>
-          <a:bodyPr wrap="square" rtlCol="0" anchor="ctr"/>
-          <a:lstStyle/>
-          <a:p>
-            <a:pPr algn="l" indent="0" marL="0">
-              <a:buNone/>
-            </a:pPr>
-            <a:r>
-              <a:rPr lang="en-US" sz="1400" dirty="0">
-                <a:solidFill>
-                  <a:srgbClr val="22C55E"/>
-                </a:solidFill>
-              </a:rPr>
-              <a:t>✓ </a:t>
-            </a:r>
-            <a:pPr algn="l" indent="0" marL="0">
-              <a:buNone/>
-            </a:pPr>
-            <a:r>
-              <a:rPr lang="en-US" sz="1100" b="1" dirty="0">
+              <a:t>• Deep GCC market expertise &amp; merchant network</a:t>
+            </a:r>
+            <a:endParaRPr lang="en-US" sz="600" dirty="0"/>
+          </a:p>
+        </p:txBody>
+      </p:sp>
+      <p:sp>
+        <p:nvSpPr>
+          <p:cNvPr id="14" name="Text 12"/>
+          <p:cNvSpPr/>
+          <p:nvPr/>
+        </p:nvSpPr>
+        <p:spPr>
+          <a:xfrm>
+            <a:off x="1188720" y="2648903"/>
+            <a:ext cx="6766560" cy="128588"/>
+          </a:xfrm>
+          <a:prstGeom prst="rect">
+            <a:avLst/>
+          </a:prstGeom>
+          <a:noFill/>
+          <a:ln/>
+        </p:spPr>
+        <p:txBody>
+          <a:bodyPr wrap="square" rtlCol="0" anchor="ctr"/>
+          <a:lstStyle/>
+          <a:p>
+            <a:pPr algn="l" indent="0" marL="0">
+              <a:buNone/>
+            </a:pPr>
+            <a:r>
+              <a:rPr lang="en-US" sz="600" dirty="0">
                 <a:solidFill>
                   <a:srgbClr val="334155"/>
                 </a:solidFill>
               </a:rPr>
-              <a:t>500+ user waitlist</a:t>
-            </a:r>
-            <a:endParaRPr lang="en-US" sz="1400" dirty="0"/>
-          </a:p>
-        </p:txBody>
-      </p:sp>
-      <p:sp>
-        <p:nvSpPr>
-          <p:cNvPr id="7" name="Text 5"/>
-          <p:cNvSpPr/>
-          <p:nvPr/>
-        </p:nvSpPr>
-        <p:spPr>
-          <a:xfrm>
-            <a:off x="1828800" y="2468880"/>
-            <a:ext cx="5486400" cy="257175"/>
-          </a:xfrm>
-          <a:prstGeom prst="rect">
-            <a:avLst/>
-          </a:prstGeom>
-          <a:noFill/>
-          <a:ln/>
-        </p:spPr>
-        <p:txBody>
-          <a:bodyPr wrap="square" rtlCol="0" anchor="ctr"/>
-          <a:lstStyle/>
-          <a:p>
-            <a:pPr algn="ctr" indent="0" marL="0">
-              <a:buNone/>
-            </a:pPr>
-            <a:r>
-              <a:rPr lang="en-US" sz="1200" b="1" dirty="0">
+              <a:t>• Technical founder (full-stack + AI/ML)</a:t>
+            </a:r>
+            <a:endParaRPr lang="en-US" sz="600" dirty="0"/>
+          </a:p>
+        </p:txBody>
+      </p:sp>
+      <p:sp>
+        <p:nvSpPr>
+          <p:cNvPr id="15" name="Text 13"/>
+          <p:cNvSpPr/>
+          <p:nvPr/>
+        </p:nvSpPr>
+        <p:spPr>
+          <a:xfrm>
+            <a:off x="731520" y="2931795"/>
+            <a:ext cx="7680960" cy="205740"/>
+          </a:xfrm>
+          <a:prstGeom prst="rect">
+            <a:avLst/>
+          </a:prstGeom>
+          <a:noFill/>
+          <a:ln/>
+        </p:spPr>
+        <p:txBody>
+          <a:bodyPr wrap="square" rtlCol="0" anchor="ctr"/>
+          <a:lstStyle/>
+          <a:p>
+            <a:pPr algn="l" indent="0" marL="0">
+              <a:buNone/>
+            </a:pPr>
+            <a:r>
+              <a:rPr lang="en-US" sz="1000" b="1" dirty="0">
                 <a:solidFill>
                   <a:srgbClr val="0A1628"/>
                 </a:solidFill>
               </a:rPr>
-              <a:t>Team</a:t>
-            </a:r>
-            <a:endParaRPr lang="en-US" sz="1200" dirty="0"/>
-          </a:p>
-        </p:txBody>
-      </p:sp>
-      <p:sp>
-        <p:nvSpPr>
-          <p:cNvPr id="8" name="Text 6"/>
-          <p:cNvSpPr/>
-          <p:nvPr/>
-        </p:nvSpPr>
-        <p:spPr>
-          <a:xfrm>
-            <a:off x="1371600" y="2828925"/>
-            <a:ext cx="6400800" cy="617220"/>
-          </a:xfrm>
-          <a:prstGeom prst="rect">
-            <a:avLst/>
-          </a:prstGeom>
-          <a:noFill/>
-          <a:ln/>
-        </p:spPr>
-        <p:txBody>
-          <a:bodyPr wrap="square" rtlCol="0" anchor="ctr"/>
-          <a:lstStyle/>
-          <a:p>
-            <a:pPr algn="ctr" indent="0" marL="0">
-              <a:buNone/>
-            </a:pPr>
-            <a:r>
-              <a:rPr lang="en-US" sz="1200" b="1" dirty="0">
+              <a:t>4 Competitive Moats</a:t>
+            </a:r>
+            <a:endParaRPr lang="en-US" sz="1000" dirty="0"/>
+          </a:p>
+        </p:txBody>
+      </p:sp>
+      <p:sp>
+        <p:nvSpPr>
+          <p:cNvPr id="16" name="Text 14"/>
+          <p:cNvSpPr/>
+          <p:nvPr/>
+        </p:nvSpPr>
+        <p:spPr>
+          <a:xfrm>
+            <a:off x="914400" y="3188970"/>
+            <a:ext cx="7315200" cy="154305"/>
+          </a:xfrm>
+          <a:prstGeom prst="rect">
+            <a:avLst/>
+          </a:prstGeom>
+          <a:noFill/>
+          <a:ln/>
+        </p:spPr>
+        <p:txBody>
+          <a:bodyPr wrap="square" rtlCol="0" anchor="ctr"/>
+          <a:lstStyle/>
+          <a:p>
+            <a:pPr algn="l" indent="0" marL="0">
+              <a:buNone/>
+            </a:pPr>
+            <a:r>
+              <a:rPr lang="en-US" sz="700" b="1" dirty="0">
                 <a:solidFill>
                   <a:srgbClr val="0A1628"/>
                 </a:solidFill>
               </a:rPr>
-              <a:t>Rejaul Karim
-</a:t>
-            </a:r>
-            <a:pPr algn="ctr" indent="0" marL="0">
-              <a:buNone/>
-            </a:pPr>
-            <a:r>
-              <a:rPr lang="en-US" sz="900" dirty="0">
+              <a:t>🌐 Network Effects: </a:t>
+            </a:r>
+            <a:pPr algn="l" indent="0" marL="0">
+              <a:buNone/>
+            </a:pPr>
+            <a:r>
+              <a:rPr lang="en-US" sz="600" dirty="0">
                 <a:solidFill>
                   <a:srgbClr val="475569"/>
                 </a:solidFill>
               </a:rPr>
-              <a:t>10+ years tech &amp; commerce
-</a:t>
-            </a:r>
-            <a:pPr algn="ctr" indent="0" marL="0">
-              <a:buNone/>
-            </a:pPr>
-            <a:r>
-              <a:rPr lang="en-US" sz="900" dirty="0">
+              <a:t>More users → more merchants → more users</a:t>
+            </a:r>
+            <a:endParaRPr lang="en-US" sz="700" dirty="0"/>
+          </a:p>
+        </p:txBody>
+      </p:sp>
+      <p:sp>
+        <p:nvSpPr>
+          <p:cNvPr id="17" name="Text 15"/>
+          <p:cNvSpPr/>
+          <p:nvPr/>
+        </p:nvSpPr>
+        <p:spPr>
+          <a:xfrm>
+            <a:off x="914400" y="3394710"/>
+            <a:ext cx="7315200" cy="154305"/>
+          </a:xfrm>
+          <a:prstGeom prst="rect">
+            <a:avLst/>
+          </a:prstGeom>
+          <a:noFill/>
+          <a:ln/>
+        </p:spPr>
+        <p:txBody>
+          <a:bodyPr wrap="square" rtlCol="0" anchor="ctr"/>
+          <a:lstStyle/>
+          <a:p>
+            <a:pPr algn="l" indent="0" marL="0">
+              <a:buNone/>
+            </a:pPr>
+            <a:r>
+              <a:rPr lang="en-US" sz="700" b="1" dirty="0">
+                <a:solidFill>
+                  <a:srgbClr val="0A1628"/>
+                </a:solidFill>
+              </a:rPr>
+              <a:t>📊 Data Moat: </a:t>
+            </a:r>
+            <a:pPr algn="l" indent="0" marL="0">
+              <a:buNone/>
+            </a:pPr>
+            <a:r>
+              <a:rPr lang="en-US" sz="600" dirty="0">
                 <a:solidFill>
                   <a:srgbClr val="475569"/>
                 </a:solidFill>
               </a:rPr>
-              <a:t>Deep GCC market expertise</a:t>
-            </a:r>
-            <a:endParaRPr lang="en-US" sz="1200" dirty="0"/>
-          </a:p>
-        </p:txBody>
-      </p:sp>
-      <p:sp>
-        <p:nvSpPr>
-          <p:cNvPr id="9" name="Text 7"/>
-          <p:cNvSpPr/>
-          <p:nvPr/>
-        </p:nvSpPr>
-        <p:spPr>
-          <a:xfrm>
-            <a:off x="1828800" y="3600450"/>
-            <a:ext cx="5486400" cy="257175"/>
-          </a:xfrm>
-          <a:prstGeom prst="rect">
-            <a:avLst/>
-          </a:prstGeom>
-          <a:noFill/>
-          <a:ln/>
-        </p:spPr>
-        <p:txBody>
-          <a:bodyPr wrap="square" rtlCol="0" anchor="ctr"/>
-          <a:lstStyle/>
-          <a:p>
-            <a:pPr algn="ctr" indent="0" marL="0">
-              <a:buNone/>
-            </a:pPr>
-            <a:r>
-              <a:rPr lang="en-US" sz="1100" b="1" dirty="0">
+              <a:t>Price &amp; behavior data = competitive intelligence</a:t>
+            </a:r>
+            <a:endParaRPr lang="en-US" sz="700" dirty="0"/>
+          </a:p>
+        </p:txBody>
+      </p:sp>
+      <p:sp>
+        <p:nvSpPr>
+          <p:cNvPr id="18" name="Text 16"/>
+          <p:cNvSpPr/>
+          <p:nvPr/>
+        </p:nvSpPr>
+        <p:spPr>
+          <a:xfrm>
+            <a:off x="914400" y="3600450"/>
+            <a:ext cx="7315200" cy="154305"/>
+          </a:xfrm>
+          <a:prstGeom prst="rect">
+            <a:avLst/>
+          </a:prstGeom>
+          <a:noFill/>
+          <a:ln/>
+        </p:spPr>
+        <p:txBody>
+          <a:bodyPr wrap="square" rtlCol="0" anchor="ctr"/>
+          <a:lstStyle/>
+          <a:p>
+            <a:pPr algn="l" indent="0" marL="0">
+              <a:buNone/>
+            </a:pPr>
+            <a:r>
+              <a:rPr lang="en-US" sz="700" b="1" dirty="0">
                 <a:solidFill>
                   <a:srgbClr val="0A1628"/>
                 </a:solidFill>
               </a:rPr>
-              <a:t>4 Competitive Moats</a:t>
-            </a:r>
-            <a:endParaRPr lang="en-US" sz="1100" dirty="0"/>
-          </a:p>
-        </p:txBody>
-      </p:sp>
-      <p:sp>
-        <p:nvSpPr>
-          <p:cNvPr id="10" name="Text 8"/>
-          <p:cNvSpPr/>
-          <p:nvPr/>
-        </p:nvSpPr>
-        <p:spPr>
-          <a:xfrm>
-            <a:off x="914400" y="3909060"/>
-            <a:ext cx="7315200" cy="308610"/>
-          </a:xfrm>
-          <a:prstGeom prst="rect">
-            <a:avLst/>
-          </a:prstGeom>
-          <a:noFill/>
-          <a:ln/>
-        </p:spPr>
-        <p:txBody>
-          <a:bodyPr wrap="square" rtlCol="0" anchor="ctr"/>
-          <a:lstStyle/>
-          <a:p>
-            <a:pPr algn="ctr" indent="0" marL="0">
-              <a:buNone/>
-            </a:pPr>
-            <a:r>
-              <a:rPr lang="en-US" sz="800" dirty="0">
+              <a:t>⚡ First-Mover: </a:t>
+            </a:r>
+            <a:pPr algn="l" indent="0" marL="0">
+              <a:buNone/>
+            </a:pPr>
+            <a:r>
+              <a:rPr lang="en-US" sz="600" dirty="0">
                 <a:solidFill>
                   <a:srgbClr val="475569"/>
                 </a:solidFill>
               </a:rPr>
-              <a:t>Network effects • Data moat • First-mover (12-18mo) • Merchant lock-in</a:t>
-            </a:r>
-            <a:endParaRPr lang="en-US" sz="800" dirty="0"/>
-          </a:p>
-        </p:txBody>
-      </p:sp>
-      <p:sp>
-        <p:nvSpPr>
-          <p:cNvPr id="11" name="Shape 9"/>
-          <p:cNvSpPr/>
-          <p:nvPr/>
-        </p:nvSpPr>
-        <p:spPr>
-          <a:xfrm>
-            <a:off x="914400" y="4371975"/>
-            <a:ext cx="7315200" cy="514350"/>
+              <a:t>12-18 month head start in GCC market</a:t>
+            </a:r>
+            <a:endParaRPr lang="en-US" sz="700" dirty="0"/>
+          </a:p>
+        </p:txBody>
+      </p:sp>
+      <p:sp>
+        <p:nvSpPr>
+          <p:cNvPr id="19" name="Text 17"/>
+          <p:cNvSpPr/>
+          <p:nvPr/>
+        </p:nvSpPr>
+        <p:spPr>
+          <a:xfrm>
+            <a:off x="914400" y="3806190"/>
+            <a:ext cx="7315200" cy="154305"/>
+          </a:xfrm>
+          <a:prstGeom prst="rect">
+            <a:avLst/>
+          </a:prstGeom>
+          <a:noFill/>
+          <a:ln/>
+        </p:spPr>
+        <p:txBody>
+          <a:bodyPr wrap="square" rtlCol="0" anchor="ctr"/>
+          <a:lstStyle/>
+          <a:p>
+            <a:pPr algn="l" indent="0" marL="0">
+              <a:buNone/>
+            </a:pPr>
+            <a:r>
+              <a:rPr lang="en-US" sz="700" b="1" dirty="0">
+                <a:solidFill>
+                  <a:srgbClr val="0A1628"/>
+                </a:solidFill>
+              </a:rPr>
+              <a:t>🔒 Merchant Lock-In: </a:t>
+            </a:r>
+            <a:pPr algn="l" indent="0" marL="0">
+              <a:buNone/>
+            </a:pPr>
+            <a:r>
+              <a:rPr lang="en-US" sz="600" dirty="0">
+                <a:solidFill>
+                  <a:srgbClr val="475569"/>
+                </a:solidFill>
+              </a:rPr>
+              <a:t>Direct checkout integration = switching costs</a:t>
+            </a:r>
+            <a:endParaRPr lang="en-US" sz="700" dirty="0"/>
+          </a:p>
+        </p:txBody>
+      </p:sp>
+      <p:sp>
+        <p:nvSpPr>
+          <p:cNvPr id="20" name="Shape 18"/>
+          <p:cNvSpPr/>
+          <p:nvPr/>
+        </p:nvSpPr>
+        <p:spPr>
+          <a:xfrm>
+            <a:off x="731520" y="4320540"/>
+            <a:ext cx="7680960" cy="617220"/>
           </a:xfrm>
           <a:prstGeom prst="rect">
             <a:avLst/>
@@ -3730,14 +6557,14 @@
       </p:sp>
       <p:sp>
         <p:nvSpPr>
-          <p:cNvPr id="12" name="Text 10"/>
-          <p:cNvSpPr/>
-          <p:nvPr/>
-        </p:nvSpPr>
-        <p:spPr>
-          <a:xfrm>
-            <a:off x="914400" y="4423410"/>
-            <a:ext cx="7315200" cy="411480"/>
+          <p:cNvPr id="21" name="Text 19"/>
+          <p:cNvSpPr/>
+          <p:nvPr/>
+        </p:nvSpPr>
+        <p:spPr>
+          <a:xfrm>
+            <a:off x="731520" y="4371975"/>
+            <a:ext cx="7680960" cy="514350"/>
           </a:xfrm>
           <a:prstGeom prst="rect">
             <a:avLst/>
@@ -3753,7 +6580,7 @@
               <a:buNone/>
             </a:pPr>
             <a:r>
-              <a:rPr lang="en-US" sz="1400" b="1" dirty="0">
+              <a:rPr lang="en-US" sz="1300" b="1" dirty="0">
                 <a:solidFill>
                   <a:srgbClr val="C9A227"/>
                 </a:solidFill>
@@ -3765,14 +6592,26 @@
               <a:buNone/>
             </a:pPr>
             <a:r>
-              <a:rPr lang="en-US" sz="1000" dirty="0">
+              <a:rPr lang="en-US" sz="900" dirty="0">
                 <a:solidFill>
                   <a:srgbClr val="FFFFFF"/>
                 </a:solidFill>
               </a:rPr>
-              <a:t>rejaul@nuqtaapp.com</a:t>
-            </a:r>
-            <a:endParaRPr lang="en-US" sz="1400" dirty="0"/>
+              <a:t>rejaul@nuqtaapp.com
+</a:t>
+            </a:r>
+            <a:pPr algn="ctr" indent="0" marL="0">
+              <a:buNone/>
+            </a:pPr>
+            <a:r>
+              <a:rPr lang="en-US" sz="700" dirty="0">
+                <a:solidFill>
+                  <a:srgbClr val="94A3B8"/>
+                </a:solidFill>
+              </a:rPr>
+              <a:t>Dubai, UAE • Available 24/7</a:t>
+            </a:r>
+            <a:endParaRPr lang="en-US" sz="1300" dirty="0"/>
           </a:p>
         </p:txBody>
       </p:sp>

--- a/public/Nuqta-Investor-One-Pager-2026.pptx
+++ b/public/Nuqta-Investor-One-Pager-2026.pptx
@@ -1916,7 +1916,7 @@
                   <a:srgbClr val="FFFFFF"/>
                 </a:solidFill>
               </a:rPr>
-              <a:t>rejaul@nuqtaapp.com
+              <a:t>rejaul@nuqtapp.com
 </a:t>
             </a:r>
             <a:pPr algn="ctr" indent="0" marL="0">
@@ -6597,7 +6597,7 @@
                   <a:srgbClr val="FFFFFF"/>
                 </a:solidFill>
               </a:rPr>
-              <a:t>rejaul@nuqtaapp.com
+              <a:t>rejaul@nuqtapp.com
 </a:t>
             </a:r>
             <a:pPr algn="ctr" indent="0" marL="0">
